--- a/機器學習乒乓球.pptx
+++ b/機器學習乒乓球.pptx
@@ -5,16 +5,15 @@
     <p:sldMasterId id="2147483660" r:id="rId4"/>
   </p:sldMasterIdLst>
   <p:notesMasterIdLst>
-    <p:notesMasterId r:id="rId9"/>
+    <p:notesMasterId r:id="rId8"/>
   </p:notesMasterIdLst>
   <p:handoutMasterIdLst>
-    <p:handoutMasterId r:id="rId10"/>
+    <p:handoutMasterId r:id="rId9"/>
   </p:handoutMasterIdLst>
   <p:sldIdLst>
     <p:sldId id="257" r:id="rId5"/>
     <p:sldId id="258" r:id="rId6"/>
     <p:sldId id="259" r:id="rId7"/>
-    <p:sldId id="260" r:id="rId8"/>
   </p:sldIdLst>
   <p:sldSz cx="12188825" cy="6858000"/>
   <p:notesSz cx="6858000" cy="9144000"/>
@@ -285,7 +284,7 @@
                 <a:latin typeface="細明體" panose="02020509000000000000" pitchFamily="49" charset="-120"/>
                 <a:ea typeface="細明體" panose="02020509000000000000" pitchFamily="49" charset="-120"/>
               </a:rPr>
-              <a:t>2019年11月17日</a:t>
+              <a:t>2019年11月27日</a:t>
             </a:fld>
             <a:endParaRPr dirty="0">
               <a:latin typeface="細明體" panose="02020509000000000000" pitchFamily="49" charset="-120"/>
@@ -471,7 +470,7 @@
             <a:fld id="{A0AFF6A3-05A2-43C9-BAC6-E7F777C40D60}" type="datetime2">
               <a:rPr lang="zh-TW" altLang="en-US" smtClean="0"/>
               <a:pPr/>
-              <a:t>2019年11月17日</a:t>
+              <a:t>2019年11月27日</a:t>
             </a:fld>
             <a:endParaRPr lang="zh-TW" altLang="en-US" dirty="0"/>
           </a:p>
@@ -1002,91 +1001,6 @@
 </p:notes>
 </file>
 
-<file path=ppt/notesSlides/notesSlide4.xml><?xml version="1.0" encoding="utf-8"?>
-<p:notes xmlns:a="http://schemas.openxmlformats.org/drawingml/2006/main" xmlns:r="http://schemas.openxmlformats.org/officeDocument/2006/relationships" xmlns:p="http://schemas.openxmlformats.org/presentationml/2006/main">
-  <p:cSld>
-    <p:spTree>
-      <p:nvGrpSpPr>
-        <p:cNvPr id="1" name=""/>
-        <p:cNvGrpSpPr/>
-        <p:nvPr/>
-      </p:nvGrpSpPr>
-      <p:grpSpPr>
-        <a:xfrm>
-          <a:off x="0" y="0"/>
-          <a:ext cx="0" cy="0"/>
-          <a:chOff x="0" y="0"/>
-          <a:chExt cx="0" cy="0"/>
-        </a:xfrm>
-      </p:grpSpPr>
-      <p:sp>
-        <p:nvSpPr>
-          <p:cNvPr id="2" name="投影片圖像版面配置區 1"/>
-          <p:cNvSpPr>
-            <a:spLocks noGrp="1" noRot="1" noChangeAspect="1"/>
-          </p:cNvSpPr>
-          <p:nvPr>
-            <p:ph type="sldImg"/>
-          </p:nvPr>
-        </p:nvSpPr>
-        <p:spPr/>
-      </p:sp>
-      <p:sp>
-        <p:nvSpPr>
-          <p:cNvPr id="3" name="備忘稿版面配置區 2"/>
-          <p:cNvSpPr>
-            <a:spLocks noGrp="1"/>
-          </p:cNvSpPr>
-          <p:nvPr>
-            <p:ph type="body" idx="1"/>
-          </p:nvPr>
-        </p:nvSpPr>
-        <p:spPr/>
-        <p:txBody>
-          <a:bodyPr/>
-          <a:lstStyle/>
-          <a:p>
-            <a:endParaRPr lang="zh-TW" altLang="en-US" dirty="0"/>
-          </a:p>
-        </p:txBody>
-      </p:sp>
-      <p:sp>
-        <p:nvSpPr>
-          <p:cNvPr id="4" name="投影片編號版面配置區 3"/>
-          <p:cNvSpPr>
-            <a:spLocks noGrp="1"/>
-          </p:cNvSpPr>
-          <p:nvPr>
-            <p:ph type="sldNum" sz="quarter" idx="10"/>
-          </p:nvPr>
-        </p:nvSpPr>
-        <p:spPr/>
-        <p:txBody>
-          <a:bodyPr/>
-          <a:lstStyle/>
-          <a:p>
-            <a:fld id="{6BB98AFB-CB0D-4DFE-87B9-B4B0D0DE73CD}" type="slidenum">
-              <a:rPr lang="en-US" altLang="zh-TW" smtClean="0"/>
-              <a:pPr/>
-              <a:t>4</a:t>
-            </a:fld>
-            <a:endParaRPr lang="zh-TW" altLang="en-US" dirty="0"/>
-          </a:p>
-        </p:txBody>
-      </p:sp>
-    </p:spTree>
-    <p:extLst>
-      <p:ext uri="{BB962C8B-B14F-4D97-AF65-F5344CB8AC3E}">
-        <p14:creationId xmlns:p14="http://schemas.microsoft.com/office/powerpoint/2010/main" val="1381162677"/>
-      </p:ext>
-    </p:extLst>
-  </p:cSld>
-  <p:clrMapOvr>
-    <a:masterClrMapping/>
-  </p:clrMapOvr>
-</p:notes>
-</file>
-
 <file path=ppt/slideLayouts/slideLayout1.xml><?xml version="1.0" encoding="utf-8"?>
 <p:sldLayout xmlns:a="http://schemas.openxmlformats.org/drawingml/2006/main" xmlns:r="http://schemas.openxmlformats.org/officeDocument/2006/relationships" xmlns:p="http://schemas.openxmlformats.org/presentationml/2006/main" type="title" preserve="1">
   <p:cSld name="標題投影片">
@@ -1347,7 +1261,7 @@
             <a:fld id="{DF1CA1B2-0B65-48FF-A4EF-D52F44E0BC0E}" type="datetime2">
               <a:rPr lang="zh-TW" altLang="en-US" smtClean="0"/>
               <a:pPr/>
-              <a:t>2019年11月17日</a:t>
+              <a:t>2019年11月27日</a:t>
             </a:fld>
             <a:endParaRPr lang="en-US" dirty="0"/>
           </a:p>
@@ -1546,7 +1460,7 @@
             <a:fld id="{B690557D-BF90-4EAC-8435-FD0F2293EA9D}" type="datetime2">
               <a:rPr lang="zh-TW" altLang="en-US" smtClean="0"/>
               <a:pPr/>
-              <a:t>2019年11月17日</a:t>
+              <a:t>2019年11月27日</a:t>
             </a:fld>
             <a:endParaRPr lang="en-US" dirty="0"/>
           </a:p>
@@ -1750,7 +1664,7 @@
             <a:fld id="{3A06F219-A01D-46C2-AB8F-66850193113A}" type="datetime2">
               <a:rPr lang="zh-TW" altLang="en-US" smtClean="0"/>
               <a:pPr/>
-              <a:t>2019年11月17日</a:t>
+              <a:t>2019年11月27日</a:t>
             </a:fld>
             <a:endParaRPr lang="en-US" dirty="0"/>
           </a:p>
@@ -1944,7 +1858,7 @@
             <a:fld id="{C7B8F7E0-475E-4A4F-B251-AF4D4B9F823E}" type="datetime2">
               <a:rPr lang="zh-TW" altLang="en-US" smtClean="0"/>
               <a:pPr/>
-              <a:t>2019年11月17日</a:t>
+              <a:t>2019年11月27日</a:t>
             </a:fld>
             <a:endParaRPr lang="en-US" dirty="0"/>
           </a:p>
@@ -2222,7 +2136,7 @@
             <a:fld id="{FCD96140-6517-4429-8245-8048EFFD722F}" type="datetime2">
               <a:rPr lang="zh-TW" altLang="en-US" smtClean="0"/>
               <a:pPr/>
-              <a:t>2019年11月17日</a:t>
+              <a:t>2019年11月27日</a:t>
             </a:fld>
             <a:endParaRPr lang="en-US" dirty="0"/>
           </a:p>
@@ -2538,7 +2452,7 @@
             <a:fld id="{4A214E14-FC91-4A98-BE2C-45A91C87CABA}" type="datetime2">
               <a:rPr lang="zh-TW" altLang="en-US" smtClean="0"/>
               <a:pPr/>
-              <a:t>2019年11月17日</a:t>
+              <a:t>2019年11月27日</a:t>
             </a:fld>
             <a:endParaRPr lang="en-US" dirty="0"/>
           </a:p>
@@ -3003,7 +2917,7 @@
             <a:fld id="{0290FCD0-1450-4EF5-9EB6-93838DB68598}" type="datetime2">
               <a:rPr lang="zh-TW" altLang="en-US" smtClean="0"/>
               <a:pPr/>
-              <a:t>2019年11月17日</a:t>
+              <a:t>2019年11月27日</a:t>
             </a:fld>
             <a:endParaRPr lang="en-US" dirty="0"/>
           </a:p>
@@ -3145,7 +3059,7 @@
             <a:fld id="{73F19C76-1DF4-4157-8E83-99CDD7C5813A}" type="datetime2">
               <a:rPr lang="zh-TW" altLang="en-US" smtClean="0"/>
               <a:pPr/>
-              <a:t>2019年11月17日</a:t>
+              <a:t>2019年11月27日</a:t>
             </a:fld>
             <a:endParaRPr lang="en-US" dirty="0"/>
           </a:p>
@@ -3263,7 +3177,7 @@
             <a:fld id="{D40150BE-B45A-4071-8F2D-10F115658B39}" type="datetime2">
               <a:rPr lang="zh-TW" altLang="en-US" smtClean="0"/>
               <a:pPr/>
-              <a:t>2019年11月17日</a:t>
+              <a:t>2019年11月27日</a:t>
             </a:fld>
             <a:endParaRPr lang="en-US" dirty="0"/>
           </a:p>
@@ -3586,7 +3500,7 @@
             <a:fld id="{EDB22753-B0A9-4CCB-8874-8C3403729D00}" type="datetime2">
               <a:rPr lang="zh-TW" altLang="en-US" smtClean="0"/>
               <a:pPr/>
-              <a:t>2019年11月17日</a:t>
+              <a:t>2019年11月27日</a:t>
             </a:fld>
             <a:endParaRPr lang="en-US" dirty="0"/>
           </a:p>
@@ -4073,7 +3987,7 @@
             <a:fld id="{BD8E3081-8997-4FCC-AA9C-554AF3E1C629}" type="datetime2">
               <a:rPr lang="zh-TW" altLang="en-US" smtClean="0"/>
               <a:pPr/>
-              <a:t>2019年11月17日</a:t>
+              <a:t>2019年11月27日</a:t>
             </a:fld>
             <a:endParaRPr lang="en-US" dirty="0"/>
           </a:p>
@@ -5119,261 +5033,6 @@
     <p:extLst>
       <p:ext uri="{BB962C8B-B14F-4D97-AF65-F5344CB8AC3E}">
         <p14:creationId xmlns:p14="http://schemas.microsoft.com/office/powerpoint/2010/main" val="3980864936"/>
-      </p:ext>
-    </p:extLst>
-  </p:cSld>
-  <p:clrMapOvr>
-    <a:masterClrMapping/>
-  </p:clrMapOvr>
-  <mc:AlternateContent xmlns:mc="http://schemas.openxmlformats.org/markup-compatibility/2006" xmlns:p14="http://schemas.microsoft.com/office/powerpoint/2010/main">
-    <mc:Choice Requires="p14">
-      <p:transition spd="med" p14:dur="700">
-        <p:fade/>
-      </p:transition>
-    </mc:Choice>
-    <mc:Fallback xmlns="">
-      <p:transition spd="med">
-        <p:fade/>
-      </p:transition>
-    </mc:Fallback>
-  </mc:AlternateContent>
-  <p:timing>
-    <p:tnLst>
-      <p:par>
-        <p:cTn id="1" dur="indefinite" restart="never" nodeType="tmRoot"/>
-      </p:par>
-    </p:tnLst>
-  </p:timing>
-</p:sld>
-</file>
-
-<file path=ppt/slides/slide4.xml><?xml version="1.0" encoding="utf-8"?>
-<p:sld xmlns:a="http://schemas.openxmlformats.org/drawingml/2006/main" xmlns:r="http://schemas.openxmlformats.org/officeDocument/2006/relationships" xmlns:p="http://schemas.openxmlformats.org/presentationml/2006/main">
-  <p:cSld>
-    <p:spTree>
-      <p:nvGrpSpPr>
-        <p:cNvPr id="1" name=""/>
-        <p:cNvGrpSpPr/>
-        <p:nvPr/>
-      </p:nvGrpSpPr>
-      <p:grpSpPr>
-        <a:xfrm>
-          <a:off x="0" y="0"/>
-          <a:ext cx="0" cy="0"/>
-          <a:chOff x="0" y="0"/>
-          <a:chExt cx="0" cy="0"/>
-        </a:xfrm>
-      </p:grpSpPr>
-      <p:sp>
-        <p:nvSpPr>
-          <p:cNvPr id="2" name="標題 1"/>
-          <p:cNvSpPr>
-            <a:spLocks noGrp="1"/>
-          </p:cNvSpPr>
-          <p:nvPr>
-            <p:ph type="title"/>
-          </p:nvPr>
-        </p:nvSpPr>
-        <p:spPr/>
-        <p:txBody>
-          <a:bodyPr rtlCol="0"/>
-          <a:lstStyle/>
-          <a:p>
-            <a:pPr rtl="0"/>
-            <a:r>
-              <a:rPr lang="zh-TW" altLang="en-US" sz="4000" dirty="0" smtClean="0">
-                <a:latin typeface="標楷體" panose="03000509000000000000" pitchFamily="65" charset="-120"/>
-                <a:ea typeface="標楷體" panose="03000509000000000000" pitchFamily="65" charset="-120"/>
-              </a:rPr>
-              <a:t>分</a:t>
-            </a:r>
-            <a:r>
-              <a:rPr lang="zh-TW" altLang="en-US" sz="4000" dirty="0">
-                <a:latin typeface="標楷體" panose="03000509000000000000" pitchFamily="65" charset="-120"/>
-                <a:ea typeface="標楷體" panose="03000509000000000000" pitchFamily="65" charset="-120"/>
-              </a:rPr>
-              <a:t>析</a:t>
-            </a:r>
-            <a:endParaRPr lang="zh-TW" altLang="en-US" dirty="0">
-              <a:latin typeface="標楷體" panose="03000509000000000000" pitchFamily="65" charset="-120"/>
-              <a:ea typeface="標楷體" panose="03000509000000000000" pitchFamily="65" charset="-120"/>
-            </a:endParaRPr>
-          </a:p>
-        </p:txBody>
-      </p:sp>
-      <p:sp>
-        <p:nvSpPr>
-          <p:cNvPr id="4" name="文字方塊 3"/>
-          <p:cNvSpPr txBox="1"/>
-          <p:nvPr/>
-        </p:nvSpPr>
-        <p:spPr>
-          <a:xfrm>
-            <a:off x="1065212" y="1886635"/>
-            <a:ext cx="3682098" cy="2246769"/>
-          </a:xfrm>
-          <a:prstGeom prst="rect">
-            <a:avLst/>
-          </a:prstGeom>
-          <a:noFill/>
-          <a:ln>
-            <a:noFill/>
-          </a:ln>
-        </p:spPr>
-        <p:txBody>
-          <a:bodyPr wrap="none" rtlCol="0" anchor="ctr" anchorCtr="1">
-            <a:spAutoFit/>
-          </a:bodyPr>
-          <a:lstStyle/>
-          <a:p>
-            <a:pPr marL="331470" indent="-285750">
-              <a:buFont typeface="Wingdings" panose="05000000000000000000" pitchFamily="2" charset="2"/>
-              <a:buChar char="l"/>
-            </a:pPr>
-            <a:r>
-              <a:rPr lang="zh-TW" altLang="en-US" sz="2400" dirty="0" smtClean="0">
-                <a:latin typeface="Times New Roman" panose="02020603050405020304" pitchFamily="18" charset="0"/>
-                <a:ea typeface="標楷體" panose="03000509000000000000" pitchFamily="65" charset="-120"/>
-                <a:cs typeface="Times New Roman" panose="02020603050405020304" pitchFamily="18" charset="0"/>
-              </a:rPr>
-              <a:t>環境</a:t>
-            </a:r>
-            <a:r>
-              <a:rPr lang="en-US" altLang="zh-TW" sz="2400" dirty="0" smtClean="0">
-                <a:latin typeface="Times New Roman" panose="02020603050405020304" pitchFamily="18" charset="0"/>
-                <a:ea typeface="標楷體" panose="03000509000000000000" pitchFamily="65" charset="-120"/>
-                <a:cs typeface="Times New Roman" panose="02020603050405020304" pitchFamily="18" charset="0"/>
-              </a:rPr>
-              <a:t>:</a:t>
-            </a:r>
-            <a:r>
-              <a:rPr lang="zh-TW" altLang="en-US" sz="2400" dirty="0" smtClean="0">
-                <a:latin typeface="Times New Roman" panose="02020603050405020304" pitchFamily="18" charset="0"/>
-                <a:ea typeface="標楷體" panose="03000509000000000000" pitchFamily="65" charset="-120"/>
-                <a:cs typeface="Times New Roman" panose="02020603050405020304" pitchFamily="18" charset="0"/>
-              </a:rPr>
-              <a:t> </a:t>
-            </a:r>
-            <a:r>
-              <a:rPr lang="en-US" altLang="zh-TW" sz="2400" dirty="0" smtClean="0">
-                <a:latin typeface="Times New Roman" panose="02020603050405020304" pitchFamily="18" charset="0"/>
-                <a:ea typeface="標楷體" panose="03000509000000000000" pitchFamily="65" charset="-120"/>
-                <a:cs typeface="Times New Roman" panose="02020603050405020304" pitchFamily="18" charset="0"/>
-              </a:rPr>
-              <a:t>Python3.6</a:t>
-            </a:r>
-          </a:p>
-          <a:p>
-            <a:pPr marL="45720"/>
-            <a:endParaRPr lang="en-US" altLang="zh-TW" sz="2400" dirty="0" smtClean="0">
-              <a:latin typeface="Times New Roman" panose="02020603050405020304" pitchFamily="18" charset="0"/>
-              <a:ea typeface="標楷體" panose="03000509000000000000" pitchFamily="65" charset="-120"/>
-              <a:cs typeface="Times New Roman" panose="02020603050405020304" pitchFamily="18" charset="0"/>
-            </a:endParaRPr>
-          </a:p>
-          <a:p>
-            <a:pPr marL="331470" indent="-285750">
-              <a:buFont typeface="Wingdings" panose="05000000000000000000" pitchFamily="2" charset="2"/>
-              <a:buChar char="l"/>
-            </a:pPr>
-            <a:r>
-              <a:rPr lang="zh-TW" altLang="en-US" sz="2400" dirty="0" smtClean="0">
-                <a:latin typeface="Times New Roman" panose="02020603050405020304" pitchFamily="18" charset="0"/>
-                <a:ea typeface="標楷體" panose="03000509000000000000" pitchFamily="65" charset="-120"/>
-                <a:cs typeface="Times New Roman" panose="02020603050405020304" pitchFamily="18" charset="0"/>
-              </a:rPr>
-              <a:t>贏的條件</a:t>
-            </a:r>
-            <a:r>
-              <a:rPr lang="en-US" altLang="zh-TW" sz="2400" dirty="0" smtClean="0">
-                <a:latin typeface="Times New Roman" panose="02020603050405020304" pitchFamily="18" charset="0"/>
-                <a:ea typeface="標楷體" panose="03000509000000000000" pitchFamily="65" charset="-120"/>
-                <a:cs typeface="Times New Roman" panose="02020603050405020304" pitchFamily="18" charset="0"/>
-              </a:rPr>
-              <a:t>:</a:t>
-            </a:r>
-            <a:r>
-              <a:rPr lang="zh-TW" altLang="en-US" sz="2400" dirty="0" smtClean="0">
-                <a:latin typeface="Times New Roman" panose="02020603050405020304" pitchFamily="18" charset="0"/>
-                <a:ea typeface="標楷體" panose="03000509000000000000" pitchFamily="65" charset="-120"/>
-                <a:cs typeface="Times New Roman" panose="02020603050405020304" pitchFamily="18" charset="0"/>
-              </a:rPr>
-              <a:t>對手漏接</a:t>
-            </a:r>
-            <a:endParaRPr lang="en-US" altLang="zh-TW" sz="2400" dirty="0" smtClean="0">
-              <a:latin typeface="Times New Roman" panose="02020603050405020304" pitchFamily="18" charset="0"/>
-              <a:ea typeface="標楷體" panose="03000509000000000000" pitchFamily="65" charset="-120"/>
-              <a:cs typeface="Times New Roman" panose="02020603050405020304" pitchFamily="18" charset="0"/>
-            </a:endParaRPr>
-          </a:p>
-          <a:p>
-            <a:pPr marL="45720"/>
-            <a:endParaRPr lang="en-US" altLang="zh-TW" sz="2400" dirty="0" smtClean="0">
-              <a:latin typeface="Times New Roman" panose="02020603050405020304" pitchFamily="18" charset="0"/>
-              <a:ea typeface="標楷體" panose="03000509000000000000" pitchFamily="65" charset="-120"/>
-              <a:cs typeface="Times New Roman" panose="02020603050405020304" pitchFamily="18" charset="0"/>
-            </a:endParaRPr>
-          </a:p>
-          <a:p>
-            <a:pPr marL="331470" indent="-285750">
-              <a:buFont typeface="Wingdings" panose="05000000000000000000" pitchFamily="2" charset="2"/>
-              <a:buChar char="l"/>
-            </a:pPr>
-            <a:r>
-              <a:rPr lang="zh-TW" altLang="en-US" sz="2400" dirty="0">
-                <a:latin typeface="Times New Roman" panose="02020603050405020304" pitchFamily="18" charset="0"/>
-                <a:ea typeface="標楷體" panose="03000509000000000000" pitchFamily="65" charset="-120"/>
-                <a:cs typeface="Times New Roman" panose="02020603050405020304" pitchFamily="18" charset="0"/>
-              </a:rPr>
-              <a:t>輸</a:t>
-            </a:r>
-            <a:r>
-              <a:rPr lang="zh-TW" altLang="en-US" sz="2400" dirty="0" smtClean="0">
-                <a:latin typeface="Times New Roman" panose="02020603050405020304" pitchFamily="18" charset="0"/>
-                <a:ea typeface="標楷體" panose="03000509000000000000" pitchFamily="65" charset="-120"/>
-                <a:cs typeface="Times New Roman" panose="02020603050405020304" pitchFamily="18" charset="0"/>
-              </a:rPr>
-              <a:t>的條件</a:t>
-            </a:r>
-            <a:r>
-              <a:rPr lang="en-US" altLang="zh-TW" sz="2400" dirty="0" smtClean="0">
-                <a:latin typeface="Times New Roman" panose="02020603050405020304" pitchFamily="18" charset="0"/>
-                <a:ea typeface="標楷體" panose="03000509000000000000" pitchFamily="65" charset="-120"/>
-                <a:cs typeface="Times New Roman" panose="02020603050405020304" pitchFamily="18" charset="0"/>
-              </a:rPr>
-              <a:t>:</a:t>
-            </a:r>
-            <a:r>
-              <a:rPr lang="zh-TW" altLang="en-US" sz="2400" dirty="0" smtClean="0">
-                <a:latin typeface="Times New Roman" panose="02020603050405020304" pitchFamily="18" charset="0"/>
-                <a:ea typeface="標楷體" panose="03000509000000000000" pitchFamily="65" charset="-120"/>
-                <a:cs typeface="Times New Roman" panose="02020603050405020304" pitchFamily="18" charset="0"/>
-              </a:rPr>
-              <a:t>漏接對方的球</a:t>
-            </a:r>
-            <a:endParaRPr lang="en-US" altLang="zh-TW" sz="2400" dirty="0">
-              <a:latin typeface="Times New Roman" panose="02020603050405020304" pitchFamily="18" charset="0"/>
-              <a:ea typeface="標楷體" panose="03000509000000000000" pitchFamily="65" charset="-120"/>
-              <a:cs typeface="Times New Roman" panose="02020603050405020304" pitchFamily="18" charset="0"/>
-            </a:endParaRPr>
-          </a:p>
-          <a:p>
-            <a:pPr marL="331470" indent="-285750">
-              <a:buFont typeface="Wingdings" panose="05000000000000000000" pitchFamily="2" charset="2"/>
-              <a:buChar char="l"/>
-            </a:pPr>
-            <a:endParaRPr lang="en-US" altLang="zh-TW" sz="2000" dirty="0">
-              <a:latin typeface="Times New Roman" panose="02020603050405020304" pitchFamily="18" charset="0"/>
-              <a:ea typeface="標楷體" panose="03000509000000000000" pitchFamily="65" charset="-120"/>
-              <a:cs typeface="Times New Roman" panose="02020603050405020304" pitchFamily="18" charset="0"/>
-            </a:endParaRPr>
-          </a:p>
-        </p:txBody>
-      </p:sp>
-    </p:spTree>
-    <p:extLst>
-      <p:ext uri="{BB962C8B-B14F-4D97-AF65-F5344CB8AC3E}">
-        <p14:creationId xmlns:p14="http://schemas.microsoft.com/office/powerpoint/2010/main" val="581563452"/>
       </p:ext>
     </p:extLst>
   </p:cSld>
@@ -6241,6 +5900,26 @@
 </file>
 
 <file path=customXml/item1.xml><?xml version="1.0" encoding="utf-8"?>
+<p:properties xmlns:p="http://schemas.microsoft.com/office/2006/metadata/properties" xmlns:xsi="http://www.w3.org/2001/XMLSchema-instance" xmlns:pc="http://schemas.microsoft.com/office/infopath/2007/PartnerControls">
+  <documentManagement>
+    <VSO_x0020_item_x0020_id xmlns="40262f94-9f35-4ac3-9a90-690165a166b7" xsi:nil="true"/>
+    <Assetid_x0020_ xmlns="40262f94-9f35-4ac3-9a90-690165a166b7" xsi:nil="true"/>
+    <Item_x0020_Details xmlns="40262f94-9f35-4ac3-9a90-690165a166b7" xsi:nil="true"/>
+    <Template_x0020_details xmlns="40262f94-9f35-4ac3-9a90-690165a166b7" xsi:nil="true"/>
+  </documentManagement>
+</p:properties>
+</file>
+
+<file path=customXml/item2.xml><?xml version="1.0" encoding="utf-8"?>
+<?mso-contentType ?>
+<FormTemplates xmlns="http://schemas.microsoft.com/sharepoint/v3/contenttype/forms">
+  <Display>DocumentLibraryForm</Display>
+  <Edit>DocumentLibraryForm</Edit>
+  <New>DocumentLibraryForm</New>
+</FormTemplates>
+</file>
+
+<file path=customXml/item3.xml><?xml version="1.0" encoding="utf-8"?>
 <ct:contentTypeSchema xmlns:ct="http://schemas.microsoft.com/office/2006/metadata/contentType" xmlns:ma="http://schemas.microsoft.com/office/2006/metadata/properties/metaAttributes" ct:_="" ma:_="" ma:contentTypeName="Document" ma:contentTypeID="0x010100AA3F7D94069FF64A86F7DFF56D60E3BE" ma:contentTypeVersion="6" ma:contentTypeDescription="Create a new document." ma:contentTypeScope="" ma:versionID="c32302c77d4085ecf495bdddb7f5e889">
   <xsd:schema xmlns:xsd="http://www.w3.org/2001/XMLSchema" xmlns:xs="http://www.w3.org/2001/XMLSchema" xmlns:p="http://schemas.microsoft.com/office/2006/metadata/properties" xmlns:ns2="a4f35948-e619-41b3-aa29-22878b09cfd2" xmlns:ns3="40262f94-9f35-4ac3-9a90-690165a166b7" targetNamespace="http://schemas.microsoft.com/office/2006/metadata/properties" ma:root="true" ma:fieldsID="4ab5ae46be95f9d0be6107e8200be7a2" ns2:_="" ns3:_="">
     <xsd:import namespace="a4f35948-e619-41b3-aa29-22878b09cfd2"/>
@@ -6421,27 +6100,32 @@
 </ct:contentTypeSchema>
 </file>
 
-<file path=customXml/item2.xml><?xml version="1.0" encoding="utf-8"?>
-<?mso-contentType ?>
-<FormTemplates xmlns="http://schemas.microsoft.com/sharepoint/v3/contenttype/forms">
-  <Display>DocumentLibraryForm</Display>
-  <Edit>DocumentLibraryForm</Edit>
-  <New>DocumentLibraryForm</New>
-</FormTemplates>
+<file path=customXml/itemProps1.xml><?xml version="1.0" encoding="utf-8"?>
+<ds:datastoreItem xmlns:ds="http://schemas.openxmlformats.org/officeDocument/2006/customXml" ds:itemID="{3FFF1070-8794-47AC-90B7-1F2E078096FF}">
+  <ds:schemaRefs>
+    <ds:schemaRef ds:uri="http://purl.org/dc/dcmitype/"/>
+    <ds:schemaRef ds:uri="http://www.w3.org/XML/1998/namespace"/>
+    <ds:schemaRef ds:uri="http://schemas.microsoft.com/office/infopath/2007/PartnerControls"/>
+    <ds:schemaRef ds:uri="http://schemas.microsoft.com/office/2006/documentManagement/types"/>
+    <ds:schemaRef ds:uri="http://purl.org/dc/elements/1.1/"/>
+    <ds:schemaRef ds:uri="http://purl.org/dc/terms/"/>
+    <ds:schemaRef ds:uri="a4f35948-e619-41b3-aa29-22878b09cfd2"/>
+    <ds:schemaRef ds:uri="http://schemas.openxmlformats.org/package/2006/metadata/core-properties"/>
+    <ds:schemaRef ds:uri="40262f94-9f35-4ac3-9a90-690165a166b7"/>
+    <ds:schemaRef ds:uri="http://schemas.microsoft.com/office/2006/metadata/properties"/>
+  </ds:schemaRefs>
+</ds:datastoreItem>
 </file>
 
-<file path=customXml/item3.xml><?xml version="1.0" encoding="utf-8"?>
-<p:properties xmlns:p="http://schemas.microsoft.com/office/2006/metadata/properties" xmlns:xsi="http://www.w3.org/2001/XMLSchema-instance" xmlns:pc="http://schemas.microsoft.com/office/infopath/2007/PartnerControls">
-  <documentManagement>
-    <VSO_x0020_item_x0020_id xmlns="40262f94-9f35-4ac3-9a90-690165a166b7" xsi:nil="true"/>
-    <Assetid_x0020_ xmlns="40262f94-9f35-4ac3-9a90-690165a166b7" xsi:nil="true"/>
-    <Item_x0020_Details xmlns="40262f94-9f35-4ac3-9a90-690165a166b7" xsi:nil="true"/>
-    <Template_x0020_details xmlns="40262f94-9f35-4ac3-9a90-690165a166b7" xsi:nil="true"/>
-  </documentManagement>
-</p:properties>
+<file path=customXml/itemProps2.xml><?xml version="1.0" encoding="utf-8"?>
+<ds:datastoreItem xmlns:ds="http://schemas.openxmlformats.org/officeDocument/2006/customXml" ds:itemID="{653E1689-1E09-4ADC-A5E7-6718BF79A8A6}">
+  <ds:schemaRefs>
+    <ds:schemaRef ds:uri="http://schemas.microsoft.com/sharepoint/v3/contenttype/forms"/>
+  </ds:schemaRefs>
+</ds:datastoreItem>
 </file>
 
-<file path=customXml/itemProps1.xml><?xml version="1.0" encoding="utf-8"?>
+<file path=customXml/itemProps3.xml><?xml version="1.0" encoding="utf-8"?>
 <ds:datastoreItem xmlns:ds="http://schemas.openxmlformats.org/officeDocument/2006/customXml" ds:itemID="{7CB30B94-6D3B-4C91-947C-5EB8E8EFFE4F}">
   <ds:schemaRefs>
     <ds:schemaRef ds:uri="http://schemas.microsoft.com/office/2006/metadata/contentType"/>
@@ -6458,29 +6142,4 @@
     <ds:schemaRef ds:uri="http://schemas.microsoft.com/internal/obd"/>
   </ds:schemaRefs>
 </ds:datastoreItem>
-</file>
-
-<file path=customXml/itemProps2.xml><?xml version="1.0" encoding="utf-8"?>
-<ds:datastoreItem xmlns:ds="http://schemas.openxmlformats.org/officeDocument/2006/customXml" ds:itemID="{653E1689-1E09-4ADC-A5E7-6718BF79A8A6}">
-  <ds:schemaRefs>
-    <ds:schemaRef ds:uri="http://schemas.microsoft.com/sharepoint/v3/contenttype/forms"/>
-  </ds:schemaRefs>
-</ds:datastoreItem>
-</file>
-
-<file path=customXml/itemProps3.xml><?xml version="1.0" encoding="utf-8"?>
-<ds:datastoreItem xmlns:ds="http://schemas.openxmlformats.org/officeDocument/2006/customXml" ds:itemID="{3FFF1070-8794-47AC-90B7-1F2E078096FF}">
-  <ds:schemaRefs>
-    <ds:schemaRef ds:uri="http://purl.org/dc/dcmitype/"/>
-    <ds:schemaRef ds:uri="http://www.w3.org/XML/1998/namespace"/>
-    <ds:schemaRef ds:uri="http://schemas.microsoft.com/office/infopath/2007/PartnerControls"/>
-    <ds:schemaRef ds:uri="http://schemas.microsoft.com/office/2006/documentManagement/types"/>
-    <ds:schemaRef ds:uri="http://purl.org/dc/elements/1.1/"/>
-    <ds:schemaRef ds:uri="http://purl.org/dc/terms/"/>
-    <ds:schemaRef ds:uri="a4f35948-e619-41b3-aa29-22878b09cfd2"/>
-    <ds:schemaRef ds:uri="http://schemas.openxmlformats.org/package/2006/metadata/core-properties"/>
-    <ds:schemaRef ds:uri="40262f94-9f35-4ac3-9a90-690165a166b7"/>
-    <ds:schemaRef ds:uri="http://schemas.microsoft.com/office/2006/metadata/properties"/>
-  </ds:schemaRefs>
-</ds:datastoreItem>
 </file>
--- a/機器學習乒乓球.pptx
+++ b/機器學習乒乓球.pptx
@@ -4935,7 +4935,7 @@
           </a:bodyPr>
           <a:lstStyle/>
           <a:p>
-            <a:pPr marL="502920" indent="-457200" rtl="0">
+            <a:pPr marL="502920" indent="-457200">
               <a:lnSpc>
                 <a:spcPct val="100000"/>
               </a:lnSpc>
@@ -4947,85 +4947,55 @@
                 <a:ea typeface="標楷體" panose="03000509000000000000" pitchFamily="65" charset="-120"/>
                 <a:cs typeface="Times New Roman" panose="02020603050405020304" pitchFamily="18" charset="0"/>
               </a:rPr>
-              <a:t>球</a:t>
-            </a:r>
-            <a:r>
-              <a:rPr lang="zh-TW" altLang="en-US" sz="2400" dirty="0" smtClean="0">
-                <a:latin typeface="Times New Roman" panose="02020603050405020304" pitchFamily="18" charset="0"/>
-                <a:ea typeface="標楷體" panose="03000509000000000000" pitchFamily="65" charset="-120"/>
-                <a:cs typeface="Times New Roman" panose="02020603050405020304" pitchFamily="18" charset="0"/>
-              </a:rPr>
-              <a:t>不漏接</a:t>
-            </a:r>
-            <a:endParaRPr lang="en-US" altLang="zh-TW" sz="2400" dirty="0" smtClean="0">
+              <a:t>球不漏接</a:t>
+            </a:r>
+            <a:endParaRPr lang="en-US" altLang="zh-TW" sz="2400" dirty="0">
               <a:latin typeface="Times New Roman" panose="02020603050405020304" pitchFamily="18" charset="0"/>
               <a:ea typeface="標楷體" panose="03000509000000000000" pitchFamily="65" charset="-120"/>
               <a:cs typeface="Times New Roman" panose="02020603050405020304" pitchFamily="18" charset="0"/>
             </a:endParaRPr>
           </a:p>
           <a:p>
-            <a:pPr marL="502920" indent="-457200" rtl="0">
+            <a:pPr marL="502920" indent="-457200">
               <a:lnSpc>
                 <a:spcPct val="100000"/>
               </a:lnSpc>
               <a:buAutoNum type="arabicPeriod"/>
             </a:pPr>
             <a:r>
-              <a:rPr lang="zh-TW" altLang="en-US" sz="2400" dirty="0" smtClean="0">
+              <a:rPr lang="zh-TW" altLang="en-US" sz="2400" dirty="0">
                 <a:latin typeface="Times New Roman" panose="02020603050405020304" pitchFamily="18" charset="0"/>
                 <a:ea typeface="標楷體" panose="03000509000000000000" pitchFamily="65" charset="-120"/>
                 <a:cs typeface="Times New Roman" panose="02020603050405020304" pitchFamily="18" charset="0"/>
               </a:rPr>
-              <a:t>速度快到讓對手接不到</a:t>
-            </a:r>
-            <a:r>
-              <a:rPr lang="en-US" altLang="zh-TW" sz="2400" dirty="0" smtClean="0">
-                <a:latin typeface="Times New Roman" panose="02020603050405020304" pitchFamily="18" charset="0"/>
-                <a:ea typeface="標楷體" panose="03000509000000000000" pitchFamily="65" charset="-120"/>
-                <a:cs typeface="Times New Roman" panose="02020603050405020304" pitchFamily="18" charset="0"/>
-              </a:rPr>
-              <a:t>(</a:t>
-            </a:r>
-            <a:r>
-              <a:rPr lang="zh-TW" altLang="en-US" sz="2400" dirty="0" smtClean="0">
-                <a:latin typeface="Times New Roman" panose="02020603050405020304" pitchFamily="18" charset="0"/>
-                <a:ea typeface="標楷體" panose="03000509000000000000" pitchFamily="65" charset="-120"/>
-                <a:cs typeface="Times New Roman" panose="02020603050405020304" pitchFamily="18" charset="0"/>
-              </a:rPr>
-              <a:t>速度快容易漏接</a:t>
-            </a:r>
-            <a:r>
-              <a:rPr lang="en-US" altLang="zh-TW" sz="2400" dirty="0" smtClean="0">
-                <a:latin typeface="Times New Roman" panose="02020603050405020304" pitchFamily="18" charset="0"/>
-                <a:ea typeface="標楷體" panose="03000509000000000000" pitchFamily="65" charset="-120"/>
-                <a:cs typeface="Times New Roman" panose="02020603050405020304" pitchFamily="18" charset="0"/>
-              </a:rPr>
-              <a:t>)</a:t>
-            </a:r>
-          </a:p>
-          <a:p>
-            <a:pPr marL="502920" indent="-457200" rtl="0">
+              <a:t>盡量打到左右最角落、提高對方漏接機率</a:t>
+            </a:r>
+            <a:endParaRPr lang="en-US" altLang="zh-TW" sz="2400" dirty="0">
+              <a:latin typeface="Times New Roman" panose="02020603050405020304" pitchFamily="18" charset="0"/>
+              <a:ea typeface="標楷體" panose="03000509000000000000" pitchFamily="65" charset="-120"/>
+              <a:cs typeface="Times New Roman" panose="02020603050405020304" pitchFamily="18" charset="0"/>
+            </a:endParaRPr>
+          </a:p>
+          <a:p>
+            <a:pPr marL="502920" indent="-457200">
               <a:lnSpc>
                 <a:spcPct val="100000"/>
               </a:lnSpc>
               <a:buAutoNum type="arabicPeriod"/>
             </a:pPr>
             <a:r>
-              <a:rPr lang="zh-TW" altLang="en-US" sz="2400" dirty="0" smtClean="0">
+              <a:rPr lang="zh-TW" altLang="en-US" sz="2400">
                 <a:latin typeface="Times New Roman" panose="02020603050405020304" pitchFamily="18" charset="0"/>
                 <a:ea typeface="標楷體" panose="03000509000000000000" pitchFamily="65" charset="-120"/>
                 <a:cs typeface="Times New Roman" panose="02020603050405020304" pitchFamily="18" charset="0"/>
               </a:rPr>
-              <a:t>減輕電腦運算</a:t>
-            </a:r>
-            <a:r>
-              <a:rPr lang="zh-TW" altLang="en-US" sz="2400" dirty="0">
-                <a:latin typeface="Times New Roman" panose="02020603050405020304" pitchFamily="18" charset="0"/>
-                <a:ea typeface="標楷體" panose="03000509000000000000" pitchFamily="65" charset="-120"/>
-                <a:cs typeface="Times New Roman" panose="02020603050405020304" pitchFamily="18" charset="0"/>
-              </a:rPr>
-              <a:t>效能</a:t>
-            </a:r>
+              <a:t>當對方打擊時，預測接球點</a:t>
+            </a:r>
+            <a:endParaRPr lang="en-US" altLang="zh-TW" sz="2400" dirty="0">
+              <a:latin typeface="Times New Roman" panose="02020603050405020304" pitchFamily="18" charset="0"/>
+              <a:ea typeface="標楷體" panose="03000509000000000000" pitchFamily="65" charset="-120"/>
+              <a:cs typeface="Times New Roman" panose="02020603050405020304" pitchFamily="18" charset="0"/>
+            </a:endParaRPr>
           </a:p>
         </p:txBody>
       </p:sp>
@@ -5900,26 +5870,6 @@
 </file>
 
 <file path=customXml/item1.xml><?xml version="1.0" encoding="utf-8"?>
-<p:properties xmlns:p="http://schemas.microsoft.com/office/2006/metadata/properties" xmlns:xsi="http://www.w3.org/2001/XMLSchema-instance" xmlns:pc="http://schemas.microsoft.com/office/infopath/2007/PartnerControls">
-  <documentManagement>
-    <VSO_x0020_item_x0020_id xmlns="40262f94-9f35-4ac3-9a90-690165a166b7" xsi:nil="true"/>
-    <Assetid_x0020_ xmlns="40262f94-9f35-4ac3-9a90-690165a166b7" xsi:nil="true"/>
-    <Item_x0020_Details xmlns="40262f94-9f35-4ac3-9a90-690165a166b7" xsi:nil="true"/>
-    <Template_x0020_details xmlns="40262f94-9f35-4ac3-9a90-690165a166b7" xsi:nil="true"/>
-  </documentManagement>
-</p:properties>
-</file>
-
-<file path=customXml/item2.xml><?xml version="1.0" encoding="utf-8"?>
-<?mso-contentType ?>
-<FormTemplates xmlns="http://schemas.microsoft.com/sharepoint/v3/contenttype/forms">
-  <Display>DocumentLibraryForm</Display>
-  <Edit>DocumentLibraryForm</Edit>
-  <New>DocumentLibraryForm</New>
-</FormTemplates>
-</file>
-
-<file path=customXml/item3.xml><?xml version="1.0" encoding="utf-8"?>
 <ct:contentTypeSchema xmlns:ct="http://schemas.microsoft.com/office/2006/metadata/contentType" xmlns:ma="http://schemas.microsoft.com/office/2006/metadata/properties/metaAttributes" ct:_="" ma:_="" ma:contentTypeName="Document" ma:contentTypeID="0x010100AA3F7D94069FF64A86F7DFF56D60E3BE" ma:contentTypeVersion="6" ma:contentTypeDescription="Create a new document." ma:contentTypeScope="" ma:versionID="c32302c77d4085ecf495bdddb7f5e889">
   <xsd:schema xmlns:xsd="http://www.w3.org/2001/XMLSchema" xmlns:xs="http://www.w3.org/2001/XMLSchema" xmlns:p="http://schemas.microsoft.com/office/2006/metadata/properties" xmlns:ns2="a4f35948-e619-41b3-aa29-22878b09cfd2" xmlns:ns3="40262f94-9f35-4ac3-9a90-690165a166b7" targetNamespace="http://schemas.microsoft.com/office/2006/metadata/properties" ma:root="true" ma:fieldsID="4ab5ae46be95f9d0be6107e8200be7a2" ns2:_="" ns3:_="">
     <xsd:import namespace="a4f35948-e619-41b3-aa29-22878b09cfd2"/>
@@ -6100,32 +6050,27 @@
 </ct:contentTypeSchema>
 </file>
 
-<file path=customXml/itemProps1.xml><?xml version="1.0" encoding="utf-8"?>
-<ds:datastoreItem xmlns:ds="http://schemas.openxmlformats.org/officeDocument/2006/customXml" ds:itemID="{3FFF1070-8794-47AC-90B7-1F2E078096FF}">
-  <ds:schemaRefs>
-    <ds:schemaRef ds:uri="http://purl.org/dc/dcmitype/"/>
-    <ds:schemaRef ds:uri="http://www.w3.org/XML/1998/namespace"/>
-    <ds:schemaRef ds:uri="http://schemas.microsoft.com/office/infopath/2007/PartnerControls"/>
-    <ds:schemaRef ds:uri="http://schemas.microsoft.com/office/2006/documentManagement/types"/>
-    <ds:schemaRef ds:uri="http://purl.org/dc/elements/1.1/"/>
-    <ds:schemaRef ds:uri="http://purl.org/dc/terms/"/>
-    <ds:schemaRef ds:uri="a4f35948-e619-41b3-aa29-22878b09cfd2"/>
-    <ds:schemaRef ds:uri="http://schemas.openxmlformats.org/package/2006/metadata/core-properties"/>
-    <ds:schemaRef ds:uri="40262f94-9f35-4ac3-9a90-690165a166b7"/>
-    <ds:schemaRef ds:uri="http://schemas.microsoft.com/office/2006/metadata/properties"/>
-  </ds:schemaRefs>
-</ds:datastoreItem>
+<file path=customXml/item2.xml><?xml version="1.0" encoding="utf-8"?>
+<?mso-contentType ?>
+<FormTemplates xmlns="http://schemas.microsoft.com/sharepoint/v3/contenttype/forms">
+  <Display>DocumentLibraryForm</Display>
+  <Edit>DocumentLibraryForm</Edit>
+  <New>DocumentLibraryForm</New>
+</FormTemplates>
 </file>
 
-<file path=customXml/itemProps2.xml><?xml version="1.0" encoding="utf-8"?>
-<ds:datastoreItem xmlns:ds="http://schemas.openxmlformats.org/officeDocument/2006/customXml" ds:itemID="{653E1689-1E09-4ADC-A5E7-6718BF79A8A6}">
-  <ds:schemaRefs>
-    <ds:schemaRef ds:uri="http://schemas.microsoft.com/sharepoint/v3/contenttype/forms"/>
-  </ds:schemaRefs>
-</ds:datastoreItem>
+<file path=customXml/item3.xml><?xml version="1.0" encoding="utf-8"?>
+<p:properties xmlns:p="http://schemas.microsoft.com/office/2006/metadata/properties" xmlns:xsi="http://www.w3.org/2001/XMLSchema-instance" xmlns:pc="http://schemas.microsoft.com/office/infopath/2007/PartnerControls">
+  <documentManagement>
+    <VSO_x0020_item_x0020_id xmlns="40262f94-9f35-4ac3-9a90-690165a166b7" xsi:nil="true"/>
+    <Assetid_x0020_ xmlns="40262f94-9f35-4ac3-9a90-690165a166b7" xsi:nil="true"/>
+    <Item_x0020_Details xmlns="40262f94-9f35-4ac3-9a90-690165a166b7" xsi:nil="true"/>
+    <Template_x0020_details xmlns="40262f94-9f35-4ac3-9a90-690165a166b7" xsi:nil="true"/>
+  </documentManagement>
+</p:properties>
 </file>
 
-<file path=customXml/itemProps3.xml><?xml version="1.0" encoding="utf-8"?>
+<file path=customXml/itemProps1.xml><?xml version="1.0" encoding="utf-8"?>
 <ds:datastoreItem xmlns:ds="http://schemas.openxmlformats.org/officeDocument/2006/customXml" ds:itemID="{7CB30B94-6D3B-4C91-947C-5EB8E8EFFE4F}">
   <ds:schemaRefs>
     <ds:schemaRef ds:uri="http://schemas.microsoft.com/office/2006/metadata/contentType"/>
@@ -6142,4 +6087,29 @@
     <ds:schemaRef ds:uri="http://schemas.microsoft.com/internal/obd"/>
   </ds:schemaRefs>
 </ds:datastoreItem>
+</file>
+
+<file path=customXml/itemProps2.xml><?xml version="1.0" encoding="utf-8"?>
+<ds:datastoreItem xmlns:ds="http://schemas.openxmlformats.org/officeDocument/2006/customXml" ds:itemID="{653E1689-1E09-4ADC-A5E7-6718BF79A8A6}">
+  <ds:schemaRefs>
+    <ds:schemaRef ds:uri="http://schemas.microsoft.com/sharepoint/v3/contenttype/forms"/>
+  </ds:schemaRefs>
+</ds:datastoreItem>
+</file>
+
+<file path=customXml/itemProps3.xml><?xml version="1.0" encoding="utf-8"?>
+<ds:datastoreItem xmlns:ds="http://schemas.openxmlformats.org/officeDocument/2006/customXml" ds:itemID="{3FFF1070-8794-47AC-90B7-1F2E078096FF}">
+  <ds:schemaRefs>
+    <ds:schemaRef ds:uri="http://purl.org/dc/dcmitype/"/>
+    <ds:schemaRef ds:uri="http://www.w3.org/XML/1998/namespace"/>
+    <ds:schemaRef ds:uri="http://schemas.microsoft.com/office/infopath/2007/PartnerControls"/>
+    <ds:schemaRef ds:uri="http://schemas.microsoft.com/office/2006/documentManagement/types"/>
+    <ds:schemaRef ds:uri="http://purl.org/dc/elements/1.1/"/>
+    <ds:schemaRef ds:uri="http://purl.org/dc/terms/"/>
+    <ds:schemaRef ds:uri="a4f35948-e619-41b3-aa29-22878b09cfd2"/>
+    <ds:schemaRef ds:uri="http://schemas.openxmlformats.org/package/2006/metadata/core-properties"/>
+    <ds:schemaRef ds:uri="40262f94-9f35-4ac3-9a90-690165a166b7"/>
+    <ds:schemaRef ds:uri="http://schemas.microsoft.com/office/2006/metadata/properties"/>
+  </ds:schemaRefs>
+</ds:datastoreItem>
 </file>
--- a/機器學習乒乓球.pptx
+++ b/機器學習乒乓球.pptx
@@ -5,15 +5,19 @@
     <p:sldMasterId id="2147483660" r:id="rId4"/>
   </p:sldMasterIdLst>
   <p:notesMasterIdLst>
-    <p:notesMasterId r:id="rId8"/>
+    <p:notesMasterId r:id="rId12"/>
   </p:notesMasterIdLst>
   <p:handoutMasterIdLst>
-    <p:handoutMasterId r:id="rId9"/>
+    <p:handoutMasterId r:id="rId13"/>
   </p:handoutMasterIdLst>
   <p:sldIdLst>
     <p:sldId id="257" r:id="rId5"/>
     <p:sldId id="258" r:id="rId6"/>
     <p:sldId id="259" r:id="rId7"/>
+    <p:sldId id="261" r:id="rId8"/>
+    <p:sldId id="260" r:id="rId9"/>
+    <p:sldId id="263" r:id="rId10"/>
+    <p:sldId id="262" r:id="rId11"/>
   </p:sldIdLst>
   <p:sldSz cx="12188825" cy="6858000"/>
   <p:notesSz cx="6858000" cy="9144000"/>
@@ -992,6 +996,346 @@
     <p:extLst>
       <p:ext uri="{BB962C8B-B14F-4D97-AF65-F5344CB8AC3E}">
         <p14:creationId xmlns:p14="http://schemas.microsoft.com/office/powerpoint/2010/main" val="482696683"/>
+      </p:ext>
+    </p:extLst>
+  </p:cSld>
+  <p:clrMapOvr>
+    <a:masterClrMapping/>
+  </p:clrMapOvr>
+</p:notes>
+</file>
+
+<file path=ppt/notesSlides/notesSlide4.xml><?xml version="1.0" encoding="utf-8"?>
+<p:notes xmlns:a="http://schemas.openxmlformats.org/drawingml/2006/main" xmlns:r="http://schemas.openxmlformats.org/officeDocument/2006/relationships" xmlns:p="http://schemas.openxmlformats.org/presentationml/2006/main">
+  <p:cSld>
+    <p:spTree>
+      <p:nvGrpSpPr>
+        <p:cNvPr id="1" name=""/>
+        <p:cNvGrpSpPr/>
+        <p:nvPr/>
+      </p:nvGrpSpPr>
+      <p:grpSpPr>
+        <a:xfrm>
+          <a:off x="0" y="0"/>
+          <a:ext cx="0" cy="0"/>
+          <a:chOff x="0" y="0"/>
+          <a:chExt cx="0" cy="0"/>
+        </a:xfrm>
+      </p:grpSpPr>
+      <p:sp>
+        <p:nvSpPr>
+          <p:cNvPr id="2" name="投影片圖像版面配置區 1"/>
+          <p:cNvSpPr>
+            <a:spLocks noGrp="1" noRot="1" noChangeAspect="1"/>
+          </p:cNvSpPr>
+          <p:nvPr>
+            <p:ph type="sldImg"/>
+          </p:nvPr>
+        </p:nvSpPr>
+        <p:spPr/>
+      </p:sp>
+      <p:sp>
+        <p:nvSpPr>
+          <p:cNvPr id="3" name="備忘稿版面配置區 2"/>
+          <p:cNvSpPr>
+            <a:spLocks noGrp="1"/>
+          </p:cNvSpPr>
+          <p:nvPr>
+            <p:ph type="body" idx="1"/>
+          </p:nvPr>
+        </p:nvSpPr>
+        <p:spPr/>
+        <p:txBody>
+          <a:bodyPr/>
+          <a:lstStyle/>
+          <a:p>
+            <a:endParaRPr lang="zh-TW" altLang="en-US" dirty="0"/>
+          </a:p>
+        </p:txBody>
+      </p:sp>
+      <p:sp>
+        <p:nvSpPr>
+          <p:cNvPr id="4" name="投影片編號版面配置區 3"/>
+          <p:cNvSpPr>
+            <a:spLocks noGrp="1"/>
+          </p:cNvSpPr>
+          <p:nvPr>
+            <p:ph type="sldNum" sz="quarter" idx="10"/>
+          </p:nvPr>
+        </p:nvSpPr>
+        <p:spPr/>
+        <p:txBody>
+          <a:bodyPr/>
+          <a:lstStyle/>
+          <a:p>
+            <a:fld id="{6BB98AFB-CB0D-4DFE-87B9-B4B0D0DE73CD}" type="slidenum">
+              <a:rPr lang="en-US" altLang="zh-TW" smtClean="0"/>
+              <a:pPr/>
+              <a:t>4</a:t>
+            </a:fld>
+            <a:endParaRPr lang="zh-TW" altLang="en-US" dirty="0"/>
+          </a:p>
+        </p:txBody>
+      </p:sp>
+    </p:spTree>
+    <p:extLst>
+      <p:ext uri="{BB962C8B-B14F-4D97-AF65-F5344CB8AC3E}">
+        <p14:creationId xmlns:p14="http://schemas.microsoft.com/office/powerpoint/2010/main" val="3546472299"/>
+      </p:ext>
+    </p:extLst>
+  </p:cSld>
+  <p:clrMapOvr>
+    <a:masterClrMapping/>
+  </p:clrMapOvr>
+</p:notes>
+</file>
+
+<file path=ppt/notesSlides/notesSlide5.xml><?xml version="1.0" encoding="utf-8"?>
+<p:notes xmlns:a="http://schemas.openxmlformats.org/drawingml/2006/main" xmlns:r="http://schemas.openxmlformats.org/officeDocument/2006/relationships" xmlns:p="http://schemas.openxmlformats.org/presentationml/2006/main">
+  <p:cSld>
+    <p:spTree>
+      <p:nvGrpSpPr>
+        <p:cNvPr id="1" name=""/>
+        <p:cNvGrpSpPr/>
+        <p:nvPr/>
+      </p:nvGrpSpPr>
+      <p:grpSpPr>
+        <a:xfrm>
+          <a:off x="0" y="0"/>
+          <a:ext cx="0" cy="0"/>
+          <a:chOff x="0" y="0"/>
+          <a:chExt cx="0" cy="0"/>
+        </a:xfrm>
+      </p:grpSpPr>
+      <p:sp>
+        <p:nvSpPr>
+          <p:cNvPr id="2" name="投影片圖像版面配置區 1"/>
+          <p:cNvSpPr>
+            <a:spLocks noGrp="1" noRot="1" noChangeAspect="1"/>
+          </p:cNvSpPr>
+          <p:nvPr>
+            <p:ph type="sldImg"/>
+          </p:nvPr>
+        </p:nvSpPr>
+        <p:spPr/>
+      </p:sp>
+      <p:sp>
+        <p:nvSpPr>
+          <p:cNvPr id="3" name="備忘稿版面配置區 2"/>
+          <p:cNvSpPr>
+            <a:spLocks noGrp="1"/>
+          </p:cNvSpPr>
+          <p:nvPr>
+            <p:ph type="body" idx="1"/>
+          </p:nvPr>
+        </p:nvSpPr>
+        <p:spPr/>
+        <p:txBody>
+          <a:bodyPr/>
+          <a:lstStyle/>
+          <a:p>
+            <a:endParaRPr lang="zh-TW" altLang="en-US" dirty="0"/>
+          </a:p>
+        </p:txBody>
+      </p:sp>
+      <p:sp>
+        <p:nvSpPr>
+          <p:cNvPr id="4" name="投影片編號版面配置區 3"/>
+          <p:cNvSpPr>
+            <a:spLocks noGrp="1"/>
+          </p:cNvSpPr>
+          <p:nvPr>
+            <p:ph type="sldNum" sz="quarter" idx="10"/>
+          </p:nvPr>
+        </p:nvSpPr>
+        <p:spPr/>
+        <p:txBody>
+          <a:bodyPr/>
+          <a:lstStyle/>
+          <a:p>
+            <a:fld id="{6BB98AFB-CB0D-4DFE-87B9-B4B0D0DE73CD}" type="slidenum">
+              <a:rPr lang="en-US" altLang="zh-TW" smtClean="0"/>
+              <a:pPr/>
+              <a:t>5</a:t>
+            </a:fld>
+            <a:endParaRPr lang="zh-TW" altLang="en-US" dirty="0"/>
+          </a:p>
+        </p:txBody>
+      </p:sp>
+    </p:spTree>
+    <p:extLst>
+      <p:ext uri="{BB962C8B-B14F-4D97-AF65-F5344CB8AC3E}">
+        <p14:creationId xmlns:p14="http://schemas.microsoft.com/office/powerpoint/2010/main" val="1544710891"/>
+      </p:ext>
+    </p:extLst>
+  </p:cSld>
+  <p:clrMapOvr>
+    <a:masterClrMapping/>
+  </p:clrMapOvr>
+</p:notes>
+</file>
+
+<file path=ppt/notesSlides/notesSlide6.xml><?xml version="1.0" encoding="utf-8"?>
+<p:notes xmlns:a="http://schemas.openxmlformats.org/drawingml/2006/main" xmlns:r="http://schemas.openxmlformats.org/officeDocument/2006/relationships" xmlns:p="http://schemas.openxmlformats.org/presentationml/2006/main">
+  <p:cSld>
+    <p:spTree>
+      <p:nvGrpSpPr>
+        <p:cNvPr id="1" name=""/>
+        <p:cNvGrpSpPr/>
+        <p:nvPr/>
+      </p:nvGrpSpPr>
+      <p:grpSpPr>
+        <a:xfrm>
+          <a:off x="0" y="0"/>
+          <a:ext cx="0" cy="0"/>
+          <a:chOff x="0" y="0"/>
+          <a:chExt cx="0" cy="0"/>
+        </a:xfrm>
+      </p:grpSpPr>
+      <p:sp>
+        <p:nvSpPr>
+          <p:cNvPr id="2" name="投影片圖像版面配置區 1"/>
+          <p:cNvSpPr>
+            <a:spLocks noGrp="1" noRot="1" noChangeAspect="1"/>
+          </p:cNvSpPr>
+          <p:nvPr>
+            <p:ph type="sldImg"/>
+          </p:nvPr>
+        </p:nvSpPr>
+        <p:spPr/>
+      </p:sp>
+      <p:sp>
+        <p:nvSpPr>
+          <p:cNvPr id="3" name="備忘稿版面配置區 2"/>
+          <p:cNvSpPr>
+            <a:spLocks noGrp="1"/>
+          </p:cNvSpPr>
+          <p:nvPr>
+            <p:ph type="body" idx="1"/>
+          </p:nvPr>
+        </p:nvSpPr>
+        <p:spPr/>
+        <p:txBody>
+          <a:bodyPr/>
+          <a:lstStyle/>
+          <a:p>
+            <a:endParaRPr lang="zh-TW" altLang="en-US" dirty="0"/>
+          </a:p>
+        </p:txBody>
+      </p:sp>
+      <p:sp>
+        <p:nvSpPr>
+          <p:cNvPr id="4" name="投影片編號版面配置區 3"/>
+          <p:cNvSpPr>
+            <a:spLocks noGrp="1"/>
+          </p:cNvSpPr>
+          <p:nvPr>
+            <p:ph type="sldNum" sz="quarter" idx="10"/>
+          </p:nvPr>
+        </p:nvSpPr>
+        <p:spPr/>
+        <p:txBody>
+          <a:bodyPr/>
+          <a:lstStyle/>
+          <a:p>
+            <a:fld id="{6BB98AFB-CB0D-4DFE-87B9-B4B0D0DE73CD}" type="slidenum">
+              <a:rPr lang="en-US" altLang="zh-TW" smtClean="0"/>
+              <a:pPr/>
+              <a:t>6</a:t>
+            </a:fld>
+            <a:endParaRPr lang="zh-TW" altLang="en-US" dirty="0"/>
+          </a:p>
+        </p:txBody>
+      </p:sp>
+    </p:spTree>
+    <p:extLst>
+      <p:ext uri="{BB962C8B-B14F-4D97-AF65-F5344CB8AC3E}">
+        <p14:creationId xmlns:p14="http://schemas.microsoft.com/office/powerpoint/2010/main" val="464164927"/>
+      </p:ext>
+    </p:extLst>
+  </p:cSld>
+  <p:clrMapOvr>
+    <a:masterClrMapping/>
+  </p:clrMapOvr>
+</p:notes>
+</file>
+
+<file path=ppt/notesSlides/notesSlide7.xml><?xml version="1.0" encoding="utf-8"?>
+<p:notes xmlns:a="http://schemas.openxmlformats.org/drawingml/2006/main" xmlns:r="http://schemas.openxmlformats.org/officeDocument/2006/relationships" xmlns:p="http://schemas.openxmlformats.org/presentationml/2006/main">
+  <p:cSld>
+    <p:spTree>
+      <p:nvGrpSpPr>
+        <p:cNvPr id="1" name=""/>
+        <p:cNvGrpSpPr/>
+        <p:nvPr/>
+      </p:nvGrpSpPr>
+      <p:grpSpPr>
+        <a:xfrm>
+          <a:off x="0" y="0"/>
+          <a:ext cx="0" cy="0"/>
+          <a:chOff x="0" y="0"/>
+          <a:chExt cx="0" cy="0"/>
+        </a:xfrm>
+      </p:grpSpPr>
+      <p:sp>
+        <p:nvSpPr>
+          <p:cNvPr id="2" name="投影片圖像版面配置區 1"/>
+          <p:cNvSpPr>
+            <a:spLocks noGrp="1" noRot="1" noChangeAspect="1"/>
+          </p:cNvSpPr>
+          <p:nvPr>
+            <p:ph type="sldImg"/>
+          </p:nvPr>
+        </p:nvSpPr>
+        <p:spPr/>
+      </p:sp>
+      <p:sp>
+        <p:nvSpPr>
+          <p:cNvPr id="3" name="備忘稿版面配置區 2"/>
+          <p:cNvSpPr>
+            <a:spLocks noGrp="1"/>
+          </p:cNvSpPr>
+          <p:nvPr>
+            <p:ph type="body" idx="1"/>
+          </p:nvPr>
+        </p:nvSpPr>
+        <p:spPr/>
+        <p:txBody>
+          <a:bodyPr/>
+          <a:lstStyle/>
+          <a:p>
+            <a:endParaRPr lang="zh-TW" altLang="en-US" dirty="0"/>
+          </a:p>
+        </p:txBody>
+      </p:sp>
+      <p:sp>
+        <p:nvSpPr>
+          <p:cNvPr id="4" name="投影片編號版面配置區 3"/>
+          <p:cNvSpPr>
+            <a:spLocks noGrp="1"/>
+          </p:cNvSpPr>
+          <p:nvPr>
+            <p:ph type="sldNum" sz="quarter" idx="10"/>
+          </p:nvPr>
+        </p:nvSpPr>
+        <p:spPr/>
+        <p:txBody>
+          <a:bodyPr/>
+          <a:lstStyle/>
+          <a:p>
+            <a:fld id="{6BB98AFB-CB0D-4DFE-87B9-B4B0D0DE73CD}" type="slidenum">
+              <a:rPr lang="en-US" altLang="zh-TW" smtClean="0"/>
+              <a:pPr/>
+              <a:t>7</a:t>
+            </a:fld>
+            <a:endParaRPr lang="zh-TW" altLang="en-US" dirty="0"/>
+          </a:p>
+        </p:txBody>
+      </p:sp>
+    </p:spTree>
+    <p:extLst>
+      <p:ext uri="{BB962C8B-B14F-4D97-AF65-F5344CB8AC3E}">
+        <p14:creationId xmlns:p14="http://schemas.microsoft.com/office/powerpoint/2010/main" val="2145333344"/>
       </p:ext>
     </p:extLst>
   </p:cSld>
@@ -4902,14 +5246,7 @@
                 <a:latin typeface="標楷體" panose="03000509000000000000" pitchFamily="65" charset="-120"/>
                 <a:ea typeface="標楷體" panose="03000509000000000000" pitchFamily="65" charset="-120"/>
               </a:rPr>
-              <a:t>需</a:t>
-            </a:r>
-            <a:r>
-              <a:rPr lang="zh-TW" altLang="en-US" sz="4000" dirty="0">
-                <a:latin typeface="標楷體" panose="03000509000000000000" pitchFamily="65" charset="-120"/>
-                <a:ea typeface="標楷體" panose="03000509000000000000" pitchFamily="65" charset="-120"/>
-              </a:rPr>
-              <a:t>求</a:t>
+              <a:t>功能需求</a:t>
             </a:r>
             <a:endParaRPr lang="zh-TW" altLang="en-US" dirty="0">
               <a:latin typeface="標楷體" panose="03000509000000000000" pitchFamily="65" charset="-120"/>
@@ -4984,12 +5321,65 @@
               <a:buAutoNum type="arabicPeriod"/>
             </a:pPr>
             <a:r>
-              <a:rPr lang="zh-TW" altLang="en-US" sz="2400">
+              <a:rPr lang="zh-TW" altLang="en-US" sz="2400" dirty="0">
                 <a:latin typeface="Times New Roman" panose="02020603050405020304" pitchFamily="18" charset="0"/>
                 <a:ea typeface="標楷體" panose="03000509000000000000" pitchFamily="65" charset="-120"/>
                 <a:cs typeface="Times New Roman" panose="02020603050405020304" pitchFamily="18" charset="0"/>
               </a:rPr>
-              <a:t>當對方打擊時，預測接球點</a:t>
+              <a:t>當對方打擊時，預測接球</a:t>
+            </a:r>
+            <a:r>
+              <a:rPr lang="zh-TW" altLang="en-US" sz="2400" dirty="0" smtClean="0">
+                <a:latin typeface="Times New Roman" panose="02020603050405020304" pitchFamily="18" charset="0"/>
+                <a:ea typeface="標楷體" panose="03000509000000000000" pitchFamily="65" charset="-120"/>
+                <a:cs typeface="Times New Roman" panose="02020603050405020304" pitchFamily="18" charset="0"/>
+              </a:rPr>
+              <a:t>點</a:t>
+            </a:r>
+            <a:endParaRPr lang="en-US" altLang="zh-TW" sz="2400" dirty="0" smtClean="0">
+              <a:latin typeface="Times New Roman" panose="02020603050405020304" pitchFamily="18" charset="0"/>
+              <a:ea typeface="標楷體" panose="03000509000000000000" pitchFamily="65" charset="-120"/>
+              <a:cs typeface="Times New Roman" panose="02020603050405020304" pitchFamily="18" charset="0"/>
+            </a:endParaRPr>
+          </a:p>
+          <a:p>
+            <a:pPr marL="502920" indent="-457200">
+              <a:lnSpc>
+                <a:spcPct val="100000"/>
+              </a:lnSpc>
+              <a:buAutoNum type="arabicPeriod"/>
+            </a:pPr>
+            <a:r>
+              <a:rPr lang="zh-TW" altLang="en-US" sz="2400" dirty="0" smtClean="0">
+                <a:latin typeface="Times New Roman" panose="02020603050405020304" pitchFamily="18" charset="0"/>
+                <a:ea typeface="標楷體" panose="03000509000000000000" pitchFamily="65" charset="-120"/>
+                <a:cs typeface="Times New Roman" panose="02020603050405020304" pitchFamily="18" charset="0"/>
+              </a:rPr>
+              <a:t>使用</a:t>
+            </a:r>
+            <a:r>
+              <a:rPr lang="en-US" altLang="zh-TW" sz="2400" dirty="0" smtClean="0">
+                <a:latin typeface="Times New Roman" panose="02020603050405020304" pitchFamily="18" charset="0"/>
+                <a:ea typeface="標楷體" panose="03000509000000000000" pitchFamily="65" charset="-120"/>
+                <a:cs typeface="Times New Roman" panose="02020603050405020304" pitchFamily="18" charset="0"/>
+              </a:rPr>
+              <a:t>SVM</a:t>
+            </a:r>
+            <a:r>
+              <a:rPr lang="zh-TW" altLang="en-US" sz="2400" dirty="0" smtClean="0">
+                <a:latin typeface="Times New Roman" panose="02020603050405020304" pitchFamily="18" charset="0"/>
+                <a:ea typeface="標楷體" panose="03000509000000000000" pitchFamily="65" charset="-120"/>
+                <a:cs typeface="Times New Roman" panose="02020603050405020304" pitchFamily="18" charset="0"/>
+              </a:rPr>
+              <a:t>訓練</a:t>
+            </a:r>
+            <a:r>
+              <a:rPr lang="en-US" altLang="zh-TW" sz="2400" dirty="0" smtClean="0">
+                <a:latin typeface="Times New Roman" panose="02020603050405020304" pitchFamily="18" charset="0"/>
+                <a:ea typeface="標楷體" panose="03000509000000000000" pitchFamily="65" charset="-120"/>
+                <a:cs typeface="Times New Roman" panose="02020603050405020304" pitchFamily="18" charset="0"/>
+              </a:rPr>
+              <a:t>Model</a:t>
             </a:r>
             <a:endParaRPr lang="en-US" altLang="zh-TW" sz="2400" dirty="0">
               <a:latin typeface="Times New Roman" panose="02020603050405020304" pitchFamily="18" charset="0"/>
@@ -5003,6 +5393,742 @@
     <p:extLst>
       <p:ext uri="{BB962C8B-B14F-4D97-AF65-F5344CB8AC3E}">
         <p14:creationId xmlns:p14="http://schemas.microsoft.com/office/powerpoint/2010/main" val="3980864936"/>
+      </p:ext>
+    </p:extLst>
+  </p:cSld>
+  <p:clrMapOvr>
+    <a:masterClrMapping/>
+  </p:clrMapOvr>
+  <mc:AlternateContent xmlns:mc="http://schemas.openxmlformats.org/markup-compatibility/2006" xmlns:p14="http://schemas.microsoft.com/office/powerpoint/2010/main">
+    <mc:Choice Requires="p14">
+      <p:transition spd="med" p14:dur="700">
+        <p:fade/>
+      </p:transition>
+    </mc:Choice>
+    <mc:Fallback xmlns="">
+      <p:transition spd="med">
+        <p:fade/>
+      </p:transition>
+    </mc:Fallback>
+  </mc:AlternateContent>
+  <p:timing>
+    <p:tnLst>
+      <p:par>
+        <p:cTn id="1" dur="indefinite" restart="never" nodeType="tmRoot"/>
+      </p:par>
+    </p:tnLst>
+  </p:timing>
+</p:sld>
+</file>
+
+<file path=ppt/slides/slide4.xml><?xml version="1.0" encoding="utf-8"?>
+<p:sld xmlns:a="http://schemas.openxmlformats.org/drawingml/2006/main" xmlns:r="http://schemas.openxmlformats.org/officeDocument/2006/relationships" xmlns:p="http://schemas.openxmlformats.org/presentationml/2006/main">
+  <p:cSld>
+    <p:spTree>
+      <p:nvGrpSpPr>
+        <p:cNvPr id="1" name=""/>
+        <p:cNvGrpSpPr/>
+        <p:nvPr/>
+      </p:nvGrpSpPr>
+      <p:grpSpPr>
+        <a:xfrm>
+          <a:off x="0" y="0"/>
+          <a:ext cx="0" cy="0"/>
+          <a:chOff x="0" y="0"/>
+          <a:chExt cx="0" cy="0"/>
+        </a:xfrm>
+      </p:grpSpPr>
+      <p:sp>
+        <p:nvSpPr>
+          <p:cNvPr id="2" name="標題 1"/>
+          <p:cNvSpPr>
+            <a:spLocks noGrp="1"/>
+          </p:cNvSpPr>
+          <p:nvPr>
+            <p:ph type="title"/>
+          </p:nvPr>
+        </p:nvSpPr>
+        <p:spPr/>
+        <p:txBody>
+          <a:bodyPr rtlCol="0"/>
+          <a:lstStyle/>
+          <a:p>
+            <a:pPr rtl="0"/>
+            <a:r>
+              <a:rPr lang="zh-TW" altLang="en-US" sz="4000" dirty="0" smtClean="0">
+                <a:latin typeface="標楷體" panose="03000509000000000000" pitchFamily="65" charset="-120"/>
+                <a:ea typeface="標楷體" panose="03000509000000000000" pitchFamily="65" charset="-120"/>
+              </a:rPr>
+              <a:t>介面需求</a:t>
+            </a:r>
+            <a:endParaRPr lang="zh-TW" altLang="en-US" dirty="0">
+              <a:latin typeface="標楷體" panose="03000509000000000000" pitchFamily="65" charset="-120"/>
+              <a:ea typeface="標楷體" panose="03000509000000000000" pitchFamily="65" charset="-120"/>
+            </a:endParaRPr>
+          </a:p>
+        </p:txBody>
+      </p:sp>
+      <p:sp>
+        <p:nvSpPr>
+          <p:cNvPr id="3" name="內容預留位置 2"/>
+          <p:cNvSpPr>
+            <a:spLocks noGrp="1"/>
+          </p:cNvSpPr>
+          <p:nvPr>
+            <p:ph idx="1"/>
+          </p:nvPr>
+        </p:nvSpPr>
+        <p:spPr/>
+        <p:txBody>
+          <a:bodyPr rtlCol="0">
+            <a:normAutofit/>
+          </a:bodyPr>
+          <a:lstStyle/>
+          <a:p>
+            <a:pPr marL="502920" indent="-457200">
+              <a:lnSpc>
+                <a:spcPct val="100000"/>
+              </a:lnSpc>
+              <a:buAutoNum type="arabicPeriod"/>
+            </a:pPr>
+            <a:r>
+              <a:rPr lang="zh-TW" altLang="en-US" sz="2400" dirty="0" smtClean="0">
+                <a:latin typeface="Times New Roman" panose="02020603050405020304" pitchFamily="18" charset="0"/>
+                <a:ea typeface="標楷體" panose="03000509000000000000" pitchFamily="65" charset="-120"/>
+                <a:cs typeface="Times New Roman" panose="02020603050405020304" pitchFamily="18" charset="0"/>
+              </a:rPr>
+              <a:t>遊戲畫面：</a:t>
+            </a:r>
+            <a:r>
+              <a:rPr lang="en-US" altLang="zh-TW" sz="2400" dirty="0" smtClean="0">
+                <a:latin typeface="Times New Roman" panose="02020603050405020304" pitchFamily="18" charset="0"/>
+                <a:ea typeface="標楷體" panose="03000509000000000000" pitchFamily="65" charset="-120"/>
+                <a:cs typeface="Times New Roman" panose="02020603050405020304" pitchFamily="18" charset="0"/>
+              </a:rPr>
+              <a:t>200</a:t>
+            </a:r>
+            <a:r>
+              <a:rPr lang="zh-TW" altLang="en-US" sz="2400" dirty="0" smtClean="0">
+                <a:latin typeface="Times New Roman" panose="02020603050405020304" pitchFamily="18" charset="0"/>
+                <a:ea typeface="標楷體" panose="03000509000000000000" pitchFamily="65" charset="-120"/>
+                <a:cs typeface="Times New Roman" panose="02020603050405020304" pitchFamily="18" charset="0"/>
+              </a:rPr>
+              <a:t> * </a:t>
+            </a:r>
+            <a:r>
+              <a:rPr lang="en-US" altLang="zh-TW" sz="2400" dirty="0" smtClean="0">
+                <a:latin typeface="Times New Roman" panose="02020603050405020304" pitchFamily="18" charset="0"/>
+                <a:ea typeface="標楷體" panose="03000509000000000000" pitchFamily="65" charset="-120"/>
+                <a:cs typeface="Times New Roman" panose="02020603050405020304" pitchFamily="18" charset="0"/>
+              </a:rPr>
+              <a:t>500</a:t>
+            </a:r>
+          </a:p>
+          <a:p>
+            <a:pPr marL="502920" indent="-457200">
+              <a:lnSpc>
+                <a:spcPct val="100000"/>
+              </a:lnSpc>
+              <a:buAutoNum type="arabicPeriod"/>
+            </a:pPr>
+            <a:r>
+              <a:rPr lang="en-US" altLang="zh-TW" sz="2400" dirty="0" smtClean="0">
+                <a:latin typeface="Times New Roman" panose="02020603050405020304" pitchFamily="18" charset="0"/>
+                <a:ea typeface="標楷體" panose="03000509000000000000" pitchFamily="65" charset="-120"/>
+                <a:cs typeface="Times New Roman" panose="02020603050405020304" pitchFamily="18" charset="0"/>
+              </a:rPr>
+              <a:t>Python3.7</a:t>
+            </a:r>
+          </a:p>
+          <a:p>
+            <a:pPr marL="502920" indent="-457200">
+              <a:lnSpc>
+                <a:spcPct val="100000"/>
+              </a:lnSpc>
+              <a:buAutoNum type="arabicPeriod"/>
+            </a:pPr>
+            <a:endParaRPr lang="en-US" altLang="zh-TW" sz="2400" dirty="0" smtClean="0">
+              <a:latin typeface="Times New Roman" panose="02020603050405020304" pitchFamily="18" charset="0"/>
+              <a:ea typeface="標楷體" panose="03000509000000000000" pitchFamily="65" charset="-120"/>
+              <a:cs typeface="Times New Roman" panose="02020603050405020304" pitchFamily="18" charset="0"/>
+            </a:endParaRPr>
+          </a:p>
+          <a:p>
+            <a:pPr marL="502920" indent="-457200">
+              <a:lnSpc>
+                <a:spcPct val="100000"/>
+              </a:lnSpc>
+              <a:buAutoNum type="arabicPeriod"/>
+            </a:pPr>
+            <a:endParaRPr lang="en-US" altLang="zh-TW" sz="2400" dirty="0" smtClean="0">
+              <a:latin typeface="Times New Roman" panose="02020603050405020304" pitchFamily="18" charset="0"/>
+              <a:ea typeface="標楷體" panose="03000509000000000000" pitchFamily="65" charset="-120"/>
+              <a:cs typeface="Times New Roman" panose="02020603050405020304" pitchFamily="18" charset="0"/>
+            </a:endParaRPr>
+          </a:p>
+        </p:txBody>
+      </p:sp>
+    </p:spTree>
+    <p:extLst>
+      <p:ext uri="{BB962C8B-B14F-4D97-AF65-F5344CB8AC3E}">
+        <p14:creationId xmlns:p14="http://schemas.microsoft.com/office/powerpoint/2010/main" val="1213933250"/>
+      </p:ext>
+    </p:extLst>
+  </p:cSld>
+  <p:clrMapOvr>
+    <a:masterClrMapping/>
+  </p:clrMapOvr>
+  <mc:AlternateContent xmlns:mc="http://schemas.openxmlformats.org/markup-compatibility/2006" xmlns:p14="http://schemas.microsoft.com/office/powerpoint/2010/main">
+    <mc:Choice Requires="p14">
+      <p:transition spd="med" p14:dur="700">
+        <p:fade/>
+      </p:transition>
+    </mc:Choice>
+    <mc:Fallback xmlns="">
+      <p:transition spd="med">
+        <p:fade/>
+      </p:transition>
+    </mc:Fallback>
+  </mc:AlternateContent>
+  <p:timing>
+    <p:tnLst>
+      <p:par>
+        <p:cTn id="1" dur="indefinite" restart="never" nodeType="tmRoot"/>
+      </p:par>
+    </p:tnLst>
+  </p:timing>
+</p:sld>
+</file>
+
+<file path=ppt/slides/slide5.xml><?xml version="1.0" encoding="utf-8"?>
+<p:sld xmlns:a="http://schemas.openxmlformats.org/drawingml/2006/main" xmlns:r="http://schemas.openxmlformats.org/officeDocument/2006/relationships" xmlns:p="http://schemas.openxmlformats.org/presentationml/2006/main">
+  <p:cSld>
+    <p:spTree>
+      <p:nvGrpSpPr>
+        <p:cNvPr id="1" name=""/>
+        <p:cNvGrpSpPr/>
+        <p:nvPr/>
+      </p:nvGrpSpPr>
+      <p:grpSpPr>
+        <a:xfrm>
+          <a:off x="0" y="0"/>
+          <a:ext cx="0" cy="0"/>
+          <a:chOff x="0" y="0"/>
+          <a:chExt cx="0" cy="0"/>
+        </a:xfrm>
+      </p:grpSpPr>
+      <p:sp>
+        <p:nvSpPr>
+          <p:cNvPr id="2" name="標題 1"/>
+          <p:cNvSpPr>
+            <a:spLocks noGrp="1"/>
+          </p:cNvSpPr>
+          <p:nvPr>
+            <p:ph type="title"/>
+          </p:nvPr>
+        </p:nvSpPr>
+        <p:spPr/>
+        <p:txBody>
+          <a:bodyPr rtlCol="0"/>
+          <a:lstStyle/>
+          <a:p>
+            <a:pPr rtl="0"/>
+            <a:r>
+              <a:rPr lang="zh-TW" altLang="en-US" dirty="0" smtClean="0">
+                <a:latin typeface="標楷體" panose="03000509000000000000" pitchFamily="65" charset="-120"/>
+                <a:ea typeface="標楷體" panose="03000509000000000000" pitchFamily="65" charset="-120"/>
+              </a:rPr>
+              <a:t>分析</a:t>
+            </a:r>
+            <a:r>
+              <a:rPr lang="en-US" altLang="zh-TW" dirty="0" smtClean="0">
+                <a:latin typeface="標楷體" panose="03000509000000000000" pitchFamily="65" charset="-120"/>
+                <a:ea typeface="標楷體" panose="03000509000000000000" pitchFamily="65" charset="-120"/>
+              </a:rPr>
+              <a:t>–</a:t>
+            </a:r>
+            <a:r>
+              <a:rPr lang="zh-TW" altLang="en-US" dirty="0" smtClean="0">
+                <a:latin typeface="標楷體" panose="03000509000000000000" pitchFamily="65" charset="-120"/>
+                <a:ea typeface="標楷體" panose="03000509000000000000" pitchFamily="65" charset="-120"/>
+              </a:rPr>
+              <a:t>可用參數</a:t>
+            </a:r>
+            <a:endParaRPr lang="zh-TW" altLang="en-US" dirty="0">
+              <a:latin typeface="標楷體" panose="03000509000000000000" pitchFamily="65" charset="-120"/>
+              <a:ea typeface="標楷體" panose="03000509000000000000" pitchFamily="65" charset="-120"/>
+            </a:endParaRPr>
+          </a:p>
+        </p:txBody>
+      </p:sp>
+      <p:sp>
+        <p:nvSpPr>
+          <p:cNvPr id="3" name="內容預留位置 2"/>
+          <p:cNvSpPr>
+            <a:spLocks noGrp="1"/>
+          </p:cNvSpPr>
+          <p:nvPr>
+            <p:ph idx="1"/>
+          </p:nvPr>
+        </p:nvSpPr>
+        <p:spPr/>
+        <p:txBody>
+          <a:bodyPr rtlCol="0">
+            <a:normAutofit/>
+          </a:bodyPr>
+          <a:lstStyle/>
+          <a:p>
+            <a:pPr marL="502920" indent="-457200">
+              <a:lnSpc>
+                <a:spcPct val="100000"/>
+              </a:lnSpc>
+              <a:buAutoNum type="arabicPeriod"/>
+            </a:pPr>
+            <a:r>
+              <a:rPr lang="zh-TW" altLang="en-US" sz="2400" dirty="0" smtClean="0">
+                <a:latin typeface="Times New Roman" panose="02020603050405020304" pitchFamily="18" charset="0"/>
+                <a:ea typeface="標楷體" panose="03000509000000000000" pitchFamily="65" charset="-120"/>
+                <a:cs typeface="Times New Roman" panose="02020603050405020304" pitchFamily="18" charset="0"/>
+              </a:rPr>
+              <a:t>已知</a:t>
+            </a:r>
+            <a:r>
+              <a:rPr lang="zh-TW" altLang="en-US" sz="2400" dirty="0">
+                <a:latin typeface="Times New Roman" panose="02020603050405020304" pitchFamily="18" charset="0"/>
+                <a:ea typeface="標楷體" panose="03000509000000000000" pitchFamily="65" charset="-120"/>
+                <a:cs typeface="Times New Roman" panose="02020603050405020304" pitchFamily="18" charset="0"/>
+              </a:rPr>
+              <a:t>參數：球大小、球拍</a:t>
+            </a:r>
+            <a:r>
+              <a:rPr lang="zh-TW" altLang="en-US" sz="2400" dirty="0" smtClean="0">
+                <a:latin typeface="Times New Roman" panose="02020603050405020304" pitchFamily="18" charset="0"/>
+                <a:ea typeface="標楷體" panose="03000509000000000000" pitchFamily="65" charset="-120"/>
+                <a:cs typeface="Times New Roman" panose="02020603050405020304" pitchFamily="18" charset="0"/>
+              </a:rPr>
+              <a:t>大小、畫面大小</a:t>
+            </a:r>
+            <a:endParaRPr lang="en-US" altLang="zh-TW" sz="2400" dirty="0" smtClean="0">
+              <a:latin typeface="Times New Roman" panose="02020603050405020304" pitchFamily="18" charset="0"/>
+              <a:ea typeface="標楷體" panose="03000509000000000000" pitchFamily="65" charset="-120"/>
+              <a:cs typeface="Times New Roman" panose="02020603050405020304" pitchFamily="18" charset="0"/>
+            </a:endParaRPr>
+          </a:p>
+          <a:p>
+            <a:pPr marL="502920" indent="-457200">
+              <a:lnSpc>
+                <a:spcPct val="100000"/>
+              </a:lnSpc>
+              <a:buAutoNum type="arabicPeriod"/>
+            </a:pPr>
+            <a:r>
+              <a:rPr lang="zh-TW" altLang="en-US" sz="2400" dirty="0" smtClean="0">
+                <a:latin typeface="Times New Roman" panose="02020603050405020304" pitchFamily="18" charset="0"/>
+                <a:ea typeface="標楷體" panose="03000509000000000000" pitchFamily="65" charset="-120"/>
+                <a:cs typeface="Times New Roman" panose="02020603050405020304" pitchFamily="18" charset="0"/>
+              </a:rPr>
+              <a:t>輸入：球速度、球座標、球拍座標</a:t>
+            </a:r>
+            <a:endParaRPr lang="en-US" altLang="zh-TW" sz="2400" dirty="0" smtClean="0">
+              <a:latin typeface="Times New Roman" panose="02020603050405020304" pitchFamily="18" charset="0"/>
+              <a:ea typeface="標楷體" panose="03000509000000000000" pitchFamily="65" charset="-120"/>
+              <a:cs typeface="Times New Roman" panose="02020603050405020304" pitchFamily="18" charset="0"/>
+            </a:endParaRPr>
+          </a:p>
+          <a:p>
+            <a:pPr marL="502920" indent="-457200">
+              <a:lnSpc>
+                <a:spcPct val="100000"/>
+              </a:lnSpc>
+              <a:buAutoNum type="arabicPeriod"/>
+            </a:pPr>
+            <a:r>
+              <a:rPr lang="zh-TW" altLang="en-US" sz="2400" dirty="0" smtClean="0">
+                <a:latin typeface="Times New Roman" panose="02020603050405020304" pitchFamily="18" charset="0"/>
+                <a:ea typeface="標楷體" panose="03000509000000000000" pitchFamily="65" charset="-120"/>
+                <a:cs typeface="Times New Roman" panose="02020603050405020304" pitchFamily="18" charset="0"/>
+              </a:rPr>
+              <a:t>輸出：是否擊到球</a:t>
+            </a:r>
+            <a:endParaRPr lang="en-US" altLang="zh-TW" sz="2400" dirty="0">
+              <a:latin typeface="Times New Roman" panose="02020603050405020304" pitchFamily="18" charset="0"/>
+              <a:ea typeface="標楷體" panose="03000509000000000000" pitchFamily="65" charset="-120"/>
+              <a:cs typeface="Times New Roman" panose="02020603050405020304" pitchFamily="18" charset="0"/>
+            </a:endParaRPr>
+          </a:p>
+        </p:txBody>
+      </p:sp>
+    </p:spTree>
+    <p:extLst>
+      <p:ext uri="{BB962C8B-B14F-4D97-AF65-F5344CB8AC3E}">
+        <p14:creationId xmlns:p14="http://schemas.microsoft.com/office/powerpoint/2010/main" val="1759805251"/>
+      </p:ext>
+    </p:extLst>
+  </p:cSld>
+  <p:clrMapOvr>
+    <a:masterClrMapping/>
+  </p:clrMapOvr>
+  <mc:AlternateContent xmlns:mc="http://schemas.openxmlformats.org/markup-compatibility/2006" xmlns:p14="http://schemas.microsoft.com/office/powerpoint/2010/main">
+    <mc:Choice Requires="p14">
+      <p:transition spd="med" p14:dur="700">
+        <p:fade/>
+      </p:transition>
+    </mc:Choice>
+    <mc:Fallback xmlns="">
+      <p:transition spd="med">
+        <p:fade/>
+      </p:transition>
+    </mc:Fallback>
+  </mc:AlternateContent>
+  <p:timing>
+    <p:tnLst>
+      <p:par>
+        <p:cTn id="1" dur="indefinite" restart="never" nodeType="tmRoot"/>
+      </p:par>
+    </p:tnLst>
+  </p:timing>
+</p:sld>
+</file>
+
+<file path=ppt/slides/slide6.xml><?xml version="1.0" encoding="utf-8"?>
+<p:sld xmlns:a="http://schemas.openxmlformats.org/drawingml/2006/main" xmlns:r="http://schemas.openxmlformats.org/officeDocument/2006/relationships" xmlns:p="http://schemas.openxmlformats.org/presentationml/2006/main">
+  <p:cSld>
+    <p:spTree>
+      <p:nvGrpSpPr>
+        <p:cNvPr id="1" name=""/>
+        <p:cNvGrpSpPr/>
+        <p:nvPr/>
+      </p:nvGrpSpPr>
+      <p:grpSpPr>
+        <a:xfrm>
+          <a:off x="0" y="0"/>
+          <a:ext cx="0" cy="0"/>
+          <a:chOff x="0" y="0"/>
+          <a:chExt cx="0" cy="0"/>
+        </a:xfrm>
+      </p:grpSpPr>
+      <p:sp>
+        <p:nvSpPr>
+          <p:cNvPr id="2" name="標題 1"/>
+          <p:cNvSpPr>
+            <a:spLocks noGrp="1"/>
+          </p:cNvSpPr>
+          <p:nvPr>
+            <p:ph type="title"/>
+          </p:nvPr>
+        </p:nvSpPr>
+        <p:spPr/>
+        <p:txBody>
+          <a:bodyPr rtlCol="0"/>
+          <a:lstStyle/>
+          <a:p>
+            <a:r>
+              <a:rPr lang="zh-TW" altLang="en-US" dirty="0" smtClean="0">
+                <a:latin typeface="標楷體" panose="03000509000000000000" pitchFamily="65" charset="-120"/>
+                <a:ea typeface="標楷體" panose="03000509000000000000" pitchFamily="65" charset="-120"/>
+              </a:rPr>
+              <a:t>分析</a:t>
+            </a:r>
+            <a:r>
+              <a:rPr lang="en-US" altLang="zh-TW" dirty="0">
+                <a:latin typeface="標楷體" panose="03000509000000000000" pitchFamily="65" charset="-120"/>
+                <a:ea typeface="標楷體" panose="03000509000000000000" pitchFamily="65" charset="-120"/>
+              </a:rPr>
+              <a:t>–</a:t>
+            </a:r>
+            <a:r>
+              <a:rPr lang="zh-TW" altLang="en-US" dirty="0" smtClean="0">
+                <a:latin typeface="標楷體" panose="03000509000000000000" pitchFamily="65" charset="-120"/>
+                <a:ea typeface="標楷體" panose="03000509000000000000" pitchFamily="65" charset="-120"/>
+              </a:rPr>
+              <a:t>功能需求</a:t>
+            </a:r>
+            <a:endParaRPr lang="zh-TW" altLang="en-US" dirty="0">
+              <a:latin typeface="標楷體" panose="03000509000000000000" pitchFamily="65" charset="-120"/>
+              <a:ea typeface="標楷體" panose="03000509000000000000" pitchFamily="65" charset="-120"/>
+            </a:endParaRPr>
+          </a:p>
+        </p:txBody>
+      </p:sp>
+      <p:sp>
+        <p:nvSpPr>
+          <p:cNvPr id="3" name="內容預留位置 2"/>
+          <p:cNvSpPr>
+            <a:spLocks noGrp="1"/>
+          </p:cNvSpPr>
+          <p:nvPr>
+            <p:ph idx="1"/>
+          </p:nvPr>
+        </p:nvSpPr>
+        <p:spPr/>
+        <p:txBody>
+          <a:bodyPr rtlCol="0">
+            <a:normAutofit/>
+          </a:bodyPr>
+          <a:lstStyle/>
+          <a:p>
+            <a:pPr marL="502920" indent="-457200">
+              <a:lnSpc>
+                <a:spcPct val="100000"/>
+              </a:lnSpc>
+              <a:buAutoNum type="arabicPeriod"/>
+            </a:pPr>
+            <a:r>
+              <a:rPr lang="zh-TW" altLang="en-US" sz="2400" dirty="0" smtClean="0">
+                <a:latin typeface="Times New Roman" panose="02020603050405020304" pitchFamily="18" charset="0"/>
+                <a:ea typeface="標楷體" panose="03000509000000000000" pitchFamily="65" charset="-120"/>
+                <a:cs typeface="Times New Roman" panose="02020603050405020304" pitchFamily="18" charset="0"/>
+              </a:rPr>
+              <a:t>當對方擊球時，透過球速度、位置計算左右邊界反彈的掉落點，球拍先移動至掉落點</a:t>
+            </a:r>
+            <a:endParaRPr lang="en-US" altLang="zh-TW" sz="2400" dirty="0" smtClean="0">
+              <a:latin typeface="Times New Roman" panose="02020603050405020304" pitchFamily="18" charset="0"/>
+              <a:ea typeface="標楷體" panose="03000509000000000000" pitchFamily="65" charset="-120"/>
+              <a:cs typeface="Times New Roman" panose="02020603050405020304" pitchFamily="18" charset="0"/>
+            </a:endParaRPr>
+          </a:p>
+          <a:p>
+            <a:pPr lvl="1">
+              <a:lnSpc>
+                <a:spcPct val="100000"/>
+              </a:lnSpc>
+            </a:pPr>
+            <a:r>
+              <a:rPr lang="zh-TW" altLang="en-US" sz="2200" dirty="0" smtClean="0">
+                <a:latin typeface="Times New Roman" panose="02020603050405020304" pitchFamily="18" charset="0"/>
+                <a:ea typeface="標楷體" panose="03000509000000000000" pitchFamily="65" charset="-120"/>
+                <a:cs typeface="Times New Roman" panose="02020603050405020304" pitchFamily="18" charset="0"/>
+              </a:rPr>
+              <a:t>可能會遇到問題：</a:t>
+            </a:r>
+            <a:endParaRPr lang="en-US" altLang="zh-TW" sz="2200" dirty="0" smtClean="0">
+              <a:latin typeface="Times New Roman" panose="02020603050405020304" pitchFamily="18" charset="0"/>
+              <a:ea typeface="標楷體" panose="03000509000000000000" pitchFamily="65" charset="-120"/>
+              <a:cs typeface="Times New Roman" panose="02020603050405020304" pitchFamily="18" charset="0"/>
+            </a:endParaRPr>
+          </a:p>
+          <a:p>
+            <a:pPr marL="1051560" lvl="2" indent="-457200">
+              <a:lnSpc>
+                <a:spcPct val="100000"/>
+              </a:lnSpc>
+              <a:buFont typeface="+mj-lt"/>
+              <a:buAutoNum type="arabicPeriod"/>
+            </a:pPr>
+            <a:r>
+              <a:rPr lang="zh-TW" altLang="en-US" sz="2000" dirty="0" smtClean="0">
+                <a:latin typeface="Times New Roman" panose="02020603050405020304" pitchFamily="18" charset="0"/>
+                <a:ea typeface="標楷體" panose="03000509000000000000" pitchFamily="65" charset="-120"/>
+                <a:cs typeface="Times New Roman" panose="02020603050405020304" pitchFamily="18" charset="0"/>
+              </a:rPr>
+              <a:t>計算反彈座標與實際座標會有誤差值</a:t>
+            </a:r>
+            <a:endParaRPr lang="en-US" altLang="zh-TW" sz="2000" dirty="0" smtClean="0">
+              <a:latin typeface="Times New Roman" panose="02020603050405020304" pitchFamily="18" charset="0"/>
+              <a:ea typeface="標楷體" panose="03000509000000000000" pitchFamily="65" charset="-120"/>
+              <a:cs typeface="Times New Roman" panose="02020603050405020304" pitchFamily="18" charset="0"/>
+            </a:endParaRPr>
+          </a:p>
+          <a:p>
+            <a:pPr marL="1051560" lvl="2" indent="-457200">
+              <a:lnSpc>
+                <a:spcPct val="100000"/>
+              </a:lnSpc>
+              <a:buFont typeface="+mj-lt"/>
+              <a:buAutoNum type="arabicPeriod"/>
+            </a:pPr>
+            <a:r>
+              <a:rPr lang="zh-TW" altLang="en-US" sz="2000" dirty="0" smtClean="0">
+                <a:latin typeface="Times New Roman" panose="02020603050405020304" pitchFamily="18" charset="0"/>
+                <a:ea typeface="標楷體" panose="03000509000000000000" pitchFamily="65" charset="-120"/>
+                <a:cs typeface="Times New Roman" panose="02020603050405020304" pitchFamily="18" charset="0"/>
+              </a:rPr>
+              <a:t>球速度過快導致球有穿透現象</a:t>
+            </a:r>
+            <a:endParaRPr lang="en-US" altLang="zh-TW" sz="2000" dirty="0" smtClean="0">
+              <a:latin typeface="Times New Roman" panose="02020603050405020304" pitchFamily="18" charset="0"/>
+              <a:ea typeface="標楷體" panose="03000509000000000000" pitchFamily="65" charset="-120"/>
+              <a:cs typeface="Times New Roman" panose="02020603050405020304" pitchFamily="18" charset="0"/>
+            </a:endParaRPr>
+          </a:p>
+          <a:p>
+            <a:pPr marL="1051560" lvl="2" indent="-457200">
+              <a:lnSpc>
+                <a:spcPct val="100000"/>
+              </a:lnSpc>
+              <a:buFont typeface="+mj-lt"/>
+              <a:buAutoNum type="arabicPeriod"/>
+            </a:pPr>
+            <a:endParaRPr lang="en-US" altLang="zh-TW" sz="2000" dirty="0">
+              <a:latin typeface="Times New Roman" panose="02020603050405020304" pitchFamily="18" charset="0"/>
+              <a:ea typeface="標楷體" panose="03000509000000000000" pitchFamily="65" charset="-120"/>
+              <a:cs typeface="Times New Roman" panose="02020603050405020304" pitchFamily="18" charset="0"/>
+            </a:endParaRPr>
+          </a:p>
+          <a:p>
+            <a:pPr marL="548640" indent="-457200">
+              <a:lnSpc>
+                <a:spcPct val="100000"/>
+              </a:lnSpc>
+              <a:buFont typeface="+mj-lt"/>
+              <a:buAutoNum type="arabicPeriod"/>
+            </a:pPr>
+            <a:endParaRPr lang="en-US" altLang="zh-TW" sz="2400" dirty="0" smtClean="0">
+              <a:latin typeface="Times New Roman" panose="02020603050405020304" pitchFamily="18" charset="0"/>
+              <a:ea typeface="標楷體" panose="03000509000000000000" pitchFamily="65" charset="-120"/>
+              <a:cs typeface="Times New Roman" panose="02020603050405020304" pitchFamily="18" charset="0"/>
+            </a:endParaRPr>
+          </a:p>
+          <a:p>
+            <a:pPr marL="1051560" lvl="2" indent="-457200">
+              <a:lnSpc>
+                <a:spcPct val="100000"/>
+              </a:lnSpc>
+              <a:buFont typeface="+mj-lt"/>
+              <a:buAutoNum type="arabicPeriod"/>
+            </a:pPr>
+            <a:endParaRPr lang="en-US" altLang="zh-TW" sz="2000" dirty="0" smtClean="0">
+              <a:latin typeface="Times New Roman" panose="02020603050405020304" pitchFamily="18" charset="0"/>
+              <a:ea typeface="標楷體" panose="03000509000000000000" pitchFamily="65" charset="-120"/>
+              <a:cs typeface="Times New Roman" panose="02020603050405020304" pitchFamily="18" charset="0"/>
+            </a:endParaRPr>
+          </a:p>
+          <a:p>
+            <a:pPr marL="502920" indent="-457200">
+              <a:lnSpc>
+                <a:spcPct val="100000"/>
+              </a:lnSpc>
+              <a:buAutoNum type="arabicPeriod"/>
+            </a:pPr>
+            <a:endParaRPr lang="en-US" altLang="zh-TW" sz="2400" dirty="0">
+              <a:latin typeface="Times New Roman" panose="02020603050405020304" pitchFamily="18" charset="0"/>
+              <a:ea typeface="標楷體" panose="03000509000000000000" pitchFamily="65" charset="-120"/>
+              <a:cs typeface="Times New Roman" panose="02020603050405020304" pitchFamily="18" charset="0"/>
+            </a:endParaRPr>
+          </a:p>
+        </p:txBody>
+      </p:sp>
+    </p:spTree>
+    <p:extLst>
+      <p:ext uri="{BB962C8B-B14F-4D97-AF65-F5344CB8AC3E}">
+        <p14:creationId xmlns:p14="http://schemas.microsoft.com/office/powerpoint/2010/main" val="676898291"/>
+      </p:ext>
+    </p:extLst>
+  </p:cSld>
+  <p:clrMapOvr>
+    <a:masterClrMapping/>
+  </p:clrMapOvr>
+  <mc:AlternateContent xmlns:mc="http://schemas.openxmlformats.org/markup-compatibility/2006" xmlns:p14="http://schemas.microsoft.com/office/powerpoint/2010/main">
+    <mc:Choice Requires="p14">
+      <p:transition spd="med" p14:dur="700">
+        <p:fade/>
+      </p:transition>
+    </mc:Choice>
+    <mc:Fallback xmlns="">
+      <p:transition spd="med">
+        <p:fade/>
+      </p:transition>
+    </mc:Fallback>
+  </mc:AlternateContent>
+  <p:timing>
+    <p:tnLst>
+      <p:par>
+        <p:cTn id="1" dur="indefinite" restart="never" nodeType="tmRoot"/>
+      </p:par>
+    </p:tnLst>
+  </p:timing>
+</p:sld>
+</file>
+
+<file path=ppt/slides/slide7.xml><?xml version="1.0" encoding="utf-8"?>
+<p:sld xmlns:a="http://schemas.openxmlformats.org/drawingml/2006/main" xmlns:r="http://schemas.openxmlformats.org/officeDocument/2006/relationships" xmlns:p="http://schemas.openxmlformats.org/presentationml/2006/main">
+  <p:cSld>
+    <p:spTree>
+      <p:nvGrpSpPr>
+        <p:cNvPr id="1" name=""/>
+        <p:cNvGrpSpPr/>
+        <p:nvPr/>
+      </p:nvGrpSpPr>
+      <p:grpSpPr>
+        <a:xfrm>
+          <a:off x="0" y="0"/>
+          <a:ext cx="0" cy="0"/>
+          <a:chOff x="0" y="0"/>
+          <a:chExt cx="0" cy="0"/>
+        </a:xfrm>
+      </p:grpSpPr>
+      <p:sp>
+        <p:nvSpPr>
+          <p:cNvPr id="2" name="標題 1"/>
+          <p:cNvSpPr>
+            <a:spLocks noGrp="1"/>
+          </p:cNvSpPr>
+          <p:nvPr>
+            <p:ph type="title"/>
+          </p:nvPr>
+        </p:nvSpPr>
+        <p:spPr/>
+        <p:txBody>
+          <a:bodyPr rtlCol="0"/>
+          <a:lstStyle/>
+          <a:p>
+            <a:pPr rtl="0"/>
+            <a:r>
+              <a:rPr lang="zh-TW" altLang="en-US" dirty="0" smtClean="0">
+                <a:latin typeface="標楷體" panose="03000509000000000000" pitchFamily="65" charset="-120"/>
+                <a:ea typeface="標楷體" panose="03000509000000000000" pitchFamily="65" charset="-120"/>
+              </a:rPr>
+              <a:t>分析</a:t>
+            </a:r>
+            <a:r>
+              <a:rPr lang="en-US" altLang="zh-TW" dirty="0" smtClean="0">
+                <a:latin typeface="標楷體" panose="03000509000000000000" pitchFamily="65" charset="-120"/>
+                <a:ea typeface="標楷體" panose="03000509000000000000" pitchFamily="65" charset="-120"/>
+              </a:rPr>
+              <a:t>–</a:t>
+            </a:r>
+            <a:r>
+              <a:rPr lang="zh-TW" altLang="en-US" dirty="0" smtClean="0">
+                <a:latin typeface="標楷體" panose="03000509000000000000" pitchFamily="65" charset="-120"/>
+                <a:ea typeface="標楷體" panose="03000509000000000000" pitchFamily="65" charset="-120"/>
+              </a:rPr>
+              <a:t>遊戲流程</a:t>
+            </a:r>
+            <a:endParaRPr lang="zh-TW" altLang="en-US" dirty="0">
+              <a:latin typeface="標楷體" panose="03000509000000000000" pitchFamily="65" charset="-120"/>
+              <a:ea typeface="標楷體" panose="03000509000000000000" pitchFamily="65" charset="-120"/>
+            </a:endParaRPr>
+          </a:p>
+        </p:txBody>
+      </p:sp>
+      <p:pic>
+        <p:nvPicPr>
+          <p:cNvPr id="6" name="圖片 5"/>
+          <p:cNvPicPr>
+            <a:picLocks noChangeAspect="1"/>
+          </p:cNvPicPr>
+          <p:nvPr/>
+        </p:nvPicPr>
+        <p:blipFill>
+          <a:blip r:embed="rId3"/>
+          <a:stretch>
+            <a:fillRect/>
+          </a:stretch>
+        </p:blipFill>
+        <p:spPr>
+          <a:xfrm>
+            <a:off x="5590356" y="188640"/>
+            <a:ext cx="4581932" cy="6552729"/>
+          </a:xfrm>
+          <a:prstGeom prst="rect">
+            <a:avLst/>
+          </a:prstGeom>
+        </p:spPr>
+      </p:pic>
+    </p:spTree>
+    <p:extLst>
+      <p:ext uri="{BB962C8B-B14F-4D97-AF65-F5344CB8AC3E}">
+        <p14:creationId xmlns:p14="http://schemas.microsoft.com/office/powerpoint/2010/main" val="4066606421"/>
       </p:ext>
     </p:extLst>
   </p:cSld>
@@ -5870,6 +6996,26 @@
 </file>
 
 <file path=customXml/item1.xml><?xml version="1.0" encoding="utf-8"?>
+<p:properties xmlns:p="http://schemas.microsoft.com/office/2006/metadata/properties" xmlns:xsi="http://www.w3.org/2001/XMLSchema-instance" xmlns:pc="http://schemas.microsoft.com/office/infopath/2007/PartnerControls">
+  <documentManagement>
+    <VSO_x0020_item_x0020_id xmlns="40262f94-9f35-4ac3-9a90-690165a166b7" xsi:nil="true"/>
+    <Assetid_x0020_ xmlns="40262f94-9f35-4ac3-9a90-690165a166b7" xsi:nil="true"/>
+    <Item_x0020_Details xmlns="40262f94-9f35-4ac3-9a90-690165a166b7" xsi:nil="true"/>
+    <Template_x0020_details xmlns="40262f94-9f35-4ac3-9a90-690165a166b7" xsi:nil="true"/>
+  </documentManagement>
+</p:properties>
+</file>
+
+<file path=customXml/item2.xml><?xml version="1.0" encoding="utf-8"?>
+<?mso-contentType ?>
+<FormTemplates xmlns="http://schemas.microsoft.com/sharepoint/v3/contenttype/forms">
+  <Display>DocumentLibraryForm</Display>
+  <Edit>DocumentLibraryForm</Edit>
+  <New>DocumentLibraryForm</New>
+</FormTemplates>
+</file>
+
+<file path=customXml/item3.xml><?xml version="1.0" encoding="utf-8"?>
 <ct:contentTypeSchema xmlns:ct="http://schemas.microsoft.com/office/2006/metadata/contentType" xmlns:ma="http://schemas.microsoft.com/office/2006/metadata/properties/metaAttributes" ct:_="" ma:_="" ma:contentTypeName="Document" ma:contentTypeID="0x010100AA3F7D94069FF64A86F7DFF56D60E3BE" ma:contentTypeVersion="6" ma:contentTypeDescription="Create a new document." ma:contentTypeScope="" ma:versionID="c32302c77d4085ecf495bdddb7f5e889">
   <xsd:schema xmlns:xsd="http://www.w3.org/2001/XMLSchema" xmlns:xs="http://www.w3.org/2001/XMLSchema" xmlns:p="http://schemas.microsoft.com/office/2006/metadata/properties" xmlns:ns2="a4f35948-e619-41b3-aa29-22878b09cfd2" xmlns:ns3="40262f94-9f35-4ac3-9a90-690165a166b7" targetNamespace="http://schemas.microsoft.com/office/2006/metadata/properties" ma:root="true" ma:fieldsID="4ab5ae46be95f9d0be6107e8200be7a2" ns2:_="" ns3:_="">
     <xsd:import namespace="a4f35948-e619-41b3-aa29-22878b09cfd2"/>
@@ -6050,27 +7196,32 @@
 </ct:contentTypeSchema>
 </file>
 
-<file path=customXml/item2.xml><?xml version="1.0" encoding="utf-8"?>
-<?mso-contentType ?>
-<FormTemplates xmlns="http://schemas.microsoft.com/sharepoint/v3/contenttype/forms">
-  <Display>DocumentLibraryForm</Display>
-  <Edit>DocumentLibraryForm</Edit>
-  <New>DocumentLibraryForm</New>
-</FormTemplates>
+<file path=customXml/itemProps1.xml><?xml version="1.0" encoding="utf-8"?>
+<ds:datastoreItem xmlns:ds="http://schemas.openxmlformats.org/officeDocument/2006/customXml" ds:itemID="{3FFF1070-8794-47AC-90B7-1F2E078096FF}">
+  <ds:schemaRefs>
+    <ds:schemaRef ds:uri="http://purl.org/dc/dcmitype/"/>
+    <ds:schemaRef ds:uri="http://www.w3.org/XML/1998/namespace"/>
+    <ds:schemaRef ds:uri="http://schemas.microsoft.com/office/infopath/2007/PartnerControls"/>
+    <ds:schemaRef ds:uri="http://schemas.microsoft.com/office/2006/documentManagement/types"/>
+    <ds:schemaRef ds:uri="http://purl.org/dc/elements/1.1/"/>
+    <ds:schemaRef ds:uri="http://purl.org/dc/terms/"/>
+    <ds:schemaRef ds:uri="a4f35948-e619-41b3-aa29-22878b09cfd2"/>
+    <ds:schemaRef ds:uri="http://schemas.openxmlformats.org/package/2006/metadata/core-properties"/>
+    <ds:schemaRef ds:uri="40262f94-9f35-4ac3-9a90-690165a166b7"/>
+    <ds:schemaRef ds:uri="http://schemas.microsoft.com/office/2006/metadata/properties"/>
+  </ds:schemaRefs>
+</ds:datastoreItem>
 </file>
 
-<file path=customXml/item3.xml><?xml version="1.0" encoding="utf-8"?>
-<p:properties xmlns:p="http://schemas.microsoft.com/office/2006/metadata/properties" xmlns:xsi="http://www.w3.org/2001/XMLSchema-instance" xmlns:pc="http://schemas.microsoft.com/office/infopath/2007/PartnerControls">
-  <documentManagement>
-    <VSO_x0020_item_x0020_id xmlns="40262f94-9f35-4ac3-9a90-690165a166b7" xsi:nil="true"/>
-    <Assetid_x0020_ xmlns="40262f94-9f35-4ac3-9a90-690165a166b7" xsi:nil="true"/>
-    <Item_x0020_Details xmlns="40262f94-9f35-4ac3-9a90-690165a166b7" xsi:nil="true"/>
-    <Template_x0020_details xmlns="40262f94-9f35-4ac3-9a90-690165a166b7" xsi:nil="true"/>
-  </documentManagement>
-</p:properties>
+<file path=customXml/itemProps2.xml><?xml version="1.0" encoding="utf-8"?>
+<ds:datastoreItem xmlns:ds="http://schemas.openxmlformats.org/officeDocument/2006/customXml" ds:itemID="{653E1689-1E09-4ADC-A5E7-6718BF79A8A6}">
+  <ds:schemaRefs>
+    <ds:schemaRef ds:uri="http://schemas.microsoft.com/sharepoint/v3/contenttype/forms"/>
+  </ds:schemaRefs>
+</ds:datastoreItem>
 </file>
 
-<file path=customXml/itemProps1.xml><?xml version="1.0" encoding="utf-8"?>
+<file path=customXml/itemProps3.xml><?xml version="1.0" encoding="utf-8"?>
 <ds:datastoreItem xmlns:ds="http://schemas.openxmlformats.org/officeDocument/2006/customXml" ds:itemID="{7CB30B94-6D3B-4C91-947C-5EB8E8EFFE4F}">
   <ds:schemaRefs>
     <ds:schemaRef ds:uri="http://schemas.microsoft.com/office/2006/metadata/contentType"/>
@@ -6087,29 +7238,4 @@
     <ds:schemaRef ds:uri="http://schemas.microsoft.com/internal/obd"/>
   </ds:schemaRefs>
 </ds:datastoreItem>
-</file>
-
-<file path=customXml/itemProps2.xml><?xml version="1.0" encoding="utf-8"?>
-<ds:datastoreItem xmlns:ds="http://schemas.openxmlformats.org/officeDocument/2006/customXml" ds:itemID="{653E1689-1E09-4ADC-A5E7-6718BF79A8A6}">
-  <ds:schemaRefs>
-    <ds:schemaRef ds:uri="http://schemas.microsoft.com/sharepoint/v3/contenttype/forms"/>
-  </ds:schemaRefs>
-</ds:datastoreItem>
-</file>
-
-<file path=customXml/itemProps3.xml><?xml version="1.0" encoding="utf-8"?>
-<ds:datastoreItem xmlns:ds="http://schemas.openxmlformats.org/officeDocument/2006/customXml" ds:itemID="{3FFF1070-8794-47AC-90B7-1F2E078096FF}">
-  <ds:schemaRefs>
-    <ds:schemaRef ds:uri="http://purl.org/dc/dcmitype/"/>
-    <ds:schemaRef ds:uri="http://www.w3.org/XML/1998/namespace"/>
-    <ds:schemaRef ds:uri="http://schemas.microsoft.com/office/infopath/2007/PartnerControls"/>
-    <ds:schemaRef ds:uri="http://schemas.microsoft.com/office/2006/documentManagement/types"/>
-    <ds:schemaRef ds:uri="http://purl.org/dc/elements/1.1/"/>
-    <ds:schemaRef ds:uri="http://purl.org/dc/terms/"/>
-    <ds:schemaRef ds:uri="a4f35948-e619-41b3-aa29-22878b09cfd2"/>
-    <ds:schemaRef ds:uri="http://schemas.openxmlformats.org/package/2006/metadata/core-properties"/>
-    <ds:schemaRef ds:uri="40262f94-9f35-4ac3-9a90-690165a166b7"/>
-    <ds:schemaRef ds:uri="http://schemas.microsoft.com/office/2006/metadata/properties"/>
-  </ds:schemaRefs>
-</ds:datastoreItem>
 </file>
--- a/機器學習乒乓球.pptx
+++ b/機器學習乒乓球.pptx
@@ -5743,12 +5743,28 @@
               <a:buAutoNum type="arabicPeriod"/>
             </a:pPr>
             <a:r>
+              <a:rPr lang="zh-TW" altLang="en-US" sz="2400" smtClean="0">
+                <a:latin typeface="Times New Roman" panose="02020603050405020304" pitchFamily="18" charset="0"/>
+                <a:ea typeface="標楷體" panose="03000509000000000000" pitchFamily="65" charset="-120"/>
+                <a:cs typeface="Times New Roman" panose="02020603050405020304" pitchFamily="18" charset="0"/>
+              </a:rPr>
+              <a:t>輸出</a:t>
+            </a:r>
+            <a:r>
+              <a:rPr lang="zh-TW" altLang="en-US" sz="2400" smtClean="0">
+                <a:latin typeface="Times New Roman" panose="02020603050405020304" pitchFamily="18" charset="0"/>
+                <a:ea typeface="標楷體" panose="03000509000000000000" pitchFamily="65" charset="-120"/>
+                <a:cs typeface="Times New Roman" panose="02020603050405020304" pitchFamily="18" charset="0"/>
+              </a:rPr>
+              <a:t>：球落點、是否</a:t>
+            </a:r>
+            <a:r>
               <a:rPr lang="zh-TW" altLang="en-US" sz="2400" dirty="0" smtClean="0">
                 <a:latin typeface="Times New Roman" panose="02020603050405020304" pitchFamily="18" charset="0"/>
                 <a:ea typeface="標楷體" panose="03000509000000000000" pitchFamily="65" charset="-120"/>
                 <a:cs typeface="Times New Roman" panose="02020603050405020304" pitchFamily="18" charset="0"/>
               </a:rPr>
-              <a:t>輸出：是否擊到球</a:t>
+              <a:t>擊到球</a:t>
             </a:r>
             <a:endParaRPr lang="en-US" altLang="zh-TW" sz="2400" dirty="0">
               <a:latin typeface="Times New Roman" panose="02020603050405020304" pitchFamily="18" charset="0"/>
@@ -6996,26 +7012,6 @@
 </file>
 
 <file path=customXml/item1.xml><?xml version="1.0" encoding="utf-8"?>
-<p:properties xmlns:p="http://schemas.microsoft.com/office/2006/metadata/properties" xmlns:xsi="http://www.w3.org/2001/XMLSchema-instance" xmlns:pc="http://schemas.microsoft.com/office/infopath/2007/PartnerControls">
-  <documentManagement>
-    <VSO_x0020_item_x0020_id xmlns="40262f94-9f35-4ac3-9a90-690165a166b7" xsi:nil="true"/>
-    <Assetid_x0020_ xmlns="40262f94-9f35-4ac3-9a90-690165a166b7" xsi:nil="true"/>
-    <Item_x0020_Details xmlns="40262f94-9f35-4ac3-9a90-690165a166b7" xsi:nil="true"/>
-    <Template_x0020_details xmlns="40262f94-9f35-4ac3-9a90-690165a166b7" xsi:nil="true"/>
-  </documentManagement>
-</p:properties>
-</file>
-
-<file path=customXml/item2.xml><?xml version="1.0" encoding="utf-8"?>
-<?mso-contentType ?>
-<FormTemplates xmlns="http://schemas.microsoft.com/sharepoint/v3/contenttype/forms">
-  <Display>DocumentLibraryForm</Display>
-  <Edit>DocumentLibraryForm</Edit>
-  <New>DocumentLibraryForm</New>
-</FormTemplates>
-</file>
-
-<file path=customXml/item3.xml><?xml version="1.0" encoding="utf-8"?>
 <ct:contentTypeSchema xmlns:ct="http://schemas.microsoft.com/office/2006/metadata/contentType" xmlns:ma="http://schemas.microsoft.com/office/2006/metadata/properties/metaAttributes" ct:_="" ma:_="" ma:contentTypeName="Document" ma:contentTypeID="0x010100AA3F7D94069FF64A86F7DFF56D60E3BE" ma:contentTypeVersion="6" ma:contentTypeDescription="Create a new document." ma:contentTypeScope="" ma:versionID="c32302c77d4085ecf495bdddb7f5e889">
   <xsd:schema xmlns:xsd="http://www.w3.org/2001/XMLSchema" xmlns:xs="http://www.w3.org/2001/XMLSchema" xmlns:p="http://schemas.microsoft.com/office/2006/metadata/properties" xmlns:ns2="a4f35948-e619-41b3-aa29-22878b09cfd2" xmlns:ns3="40262f94-9f35-4ac3-9a90-690165a166b7" targetNamespace="http://schemas.microsoft.com/office/2006/metadata/properties" ma:root="true" ma:fieldsID="4ab5ae46be95f9d0be6107e8200be7a2" ns2:_="" ns3:_="">
     <xsd:import namespace="a4f35948-e619-41b3-aa29-22878b09cfd2"/>
@@ -7196,32 +7192,27 @@
 </ct:contentTypeSchema>
 </file>
 
-<file path=customXml/itemProps1.xml><?xml version="1.0" encoding="utf-8"?>
-<ds:datastoreItem xmlns:ds="http://schemas.openxmlformats.org/officeDocument/2006/customXml" ds:itemID="{3FFF1070-8794-47AC-90B7-1F2E078096FF}">
-  <ds:schemaRefs>
-    <ds:schemaRef ds:uri="http://purl.org/dc/dcmitype/"/>
-    <ds:schemaRef ds:uri="http://www.w3.org/XML/1998/namespace"/>
-    <ds:schemaRef ds:uri="http://schemas.microsoft.com/office/infopath/2007/PartnerControls"/>
-    <ds:schemaRef ds:uri="http://schemas.microsoft.com/office/2006/documentManagement/types"/>
-    <ds:schemaRef ds:uri="http://purl.org/dc/elements/1.1/"/>
-    <ds:schemaRef ds:uri="http://purl.org/dc/terms/"/>
-    <ds:schemaRef ds:uri="a4f35948-e619-41b3-aa29-22878b09cfd2"/>
-    <ds:schemaRef ds:uri="http://schemas.openxmlformats.org/package/2006/metadata/core-properties"/>
-    <ds:schemaRef ds:uri="40262f94-9f35-4ac3-9a90-690165a166b7"/>
-    <ds:schemaRef ds:uri="http://schemas.microsoft.com/office/2006/metadata/properties"/>
-  </ds:schemaRefs>
-</ds:datastoreItem>
+<file path=customXml/item2.xml><?xml version="1.0" encoding="utf-8"?>
+<?mso-contentType ?>
+<FormTemplates xmlns="http://schemas.microsoft.com/sharepoint/v3/contenttype/forms">
+  <Display>DocumentLibraryForm</Display>
+  <Edit>DocumentLibraryForm</Edit>
+  <New>DocumentLibraryForm</New>
+</FormTemplates>
 </file>
 
-<file path=customXml/itemProps2.xml><?xml version="1.0" encoding="utf-8"?>
-<ds:datastoreItem xmlns:ds="http://schemas.openxmlformats.org/officeDocument/2006/customXml" ds:itemID="{653E1689-1E09-4ADC-A5E7-6718BF79A8A6}">
-  <ds:schemaRefs>
-    <ds:schemaRef ds:uri="http://schemas.microsoft.com/sharepoint/v3/contenttype/forms"/>
-  </ds:schemaRefs>
-</ds:datastoreItem>
+<file path=customXml/item3.xml><?xml version="1.0" encoding="utf-8"?>
+<p:properties xmlns:p="http://schemas.microsoft.com/office/2006/metadata/properties" xmlns:xsi="http://www.w3.org/2001/XMLSchema-instance" xmlns:pc="http://schemas.microsoft.com/office/infopath/2007/PartnerControls">
+  <documentManagement>
+    <VSO_x0020_item_x0020_id xmlns="40262f94-9f35-4ac3-9a90-690165a166b7" xsi:nil="true"/>
+    <Assetid_x0020_ xmlns="40262f94-9f35-4ac3-9a90-690165a166b7" xsi:nil="true"/>
+    <Item_x0020_Details xmlns="40262f94-9f35-4ac3-9a90-690165a166b7" xsi:nil="true"/>
+    <Template_x0020_details xmlns="40262f94-9f35-4ac3-9a90-690165a166b7" xsi:nil="true"/>
+  </documentManagement>
+</p:properties>
 </file>
 
-<file path=customXml/itemProps3.xml><?xml version="1.0" encoding="utf-8"?>
+<file path=customXml/itemProps1.xml><?xml version="1.0" encoding="utf-8"?>
 <ds:datastoreItem xmlns:ds="http://schemas.openxmlformats.org/officeDocument/2006/customXml" ds:itemID="{7CB30B94-6D3B-4C91-947C-5EB8E8EFFE4F}">
   <ds:schemaRefs>
     <ds:schemaRef ds:uri="http://schemas.microsoft.com/office/2006/metadata/contentType"/>
@@ -7238,4 +7229,29 @@
     <ds:schemaRef ds:uri="http://schemas.microsoft.com/internal/obd"/>
   </ds:schemaRefs>
 </ds:datastoreItem>
+</file>
+
+<file path=customXml/itemProps2.xml><?xml version="1.0" encoding="utf-8"?>
+<ds:datastoreItem xmlns:ds="http://schemas.openxmlformats.org/officeDocument/2006/customXml" ds:itemID="{653E1689-1E09-4ADC-A5E7-6718BF79A8A6}">
+  <ds:schemaRefs>
+    <ds:schemaRef ds:uri="http://schemas.microsoft.com/sharepoint/v3/contenttype/forms"/>
+  </ds:schemaRefs>
+</ds:datastoreItem>
+</file>
+
+<file path=customXml/itemProps3.xml><?xml version="1.0" encoding="utf-8"?>
+<ds:datastoreItem xmlns:ds="http://schemas.openxmlformats.org/officeDocument/2006/customXml" ds:itemID="{3FFF1070-8794-47AC-90B7-1F2E078096FF}">
+  <ds:schemaRefs>
+    <ds:schemaRef ds:uri="http://purl.org/dc/dcmitype/"/>
+    <ds:schemaRef ds:uri="http://www.w3.org/XML/1998/namespace"/>
+    <ds:schemaRef ds:uri="http://schemas.microsoft.com/office/infopath/2007/PartnerControls"/>
+    <ds:schemaRef ds:uri="http://schemas.microsoft.com/office/2006/documentManagement/types"/>
+    <ds:schemaRef ds:uri="http://purl.org/dc/elements/1.1/"/>
+    <ds:schemaRef ds:uri="http://purl.org/dc/terms/"/>
+    <ds:schemaRef ds:uri="a4f35948-e619-41b3-aa29-22878b09cfd2"/>
+    <ds:schemaRef ds:uri="http://schemas.openxmlformats.org/package/2006/metadata/core-properties"/>
+    <ds:schemaRef ds:uri="40262f94-9f35-4ac3-9a90-690165a166b7"/>
+    <ds:schemaRef ds:uri="http://schemas.microsoft.com/office/2006/metadata/properties"/>
+  </ds:schemaRefs>
+</ds:datastoreItem>
 </file>